--- a/slides/Software Design Patterns Workshop 1.pptx
+++ b/slides/Software Design Patterns Workshop 1.pptx
@@ -10,6 +10,8 @@
     <p:sldId id="258" r:id="rId4"/>
     <p:sldId id="259" r:id="rId5"/>
     <p:sldId id="260" r:id="rId6"/>
+    <p:sldId id="261" r:id="rId7"/>
+    <p:sldId id="262" r:id="rId8"/>
   </p:sldIdLst>
   <p:sldSz cx="12192000" cy="6858000"/>
   <p:notesSz cx="6858000" cy="9144000"/>
@@ -15109,7 +15111,7 @@
           <a:p>
             <a:fld id="{C320BFED-450E-44D0-BA91-DC607728E94D}" type="datetimeFigureOut">
               <a:rPr lang="en-GB" smtClean="0"/>
-              <a:t>04/11/2019</a:t>
+              <a:t>06/11/2019</a:t>
             </a:fld>
             <a:endParaRPr lang="en-GB"/>
           </a:p>
@@ -15316,7 +15318,7 @@
           <a:p>
             <a:fld id="{C320BFED-450E-44D0-BA91-DC607728E94D}" type="datetimeFigureOut">
               <a:rPr lang="en-GB" smtClean="0"/>
-              <a:t>04/11/2019</a:t>
+              <a:t>06/11/2019</a:t>
             </a:fld>
             <a:endParaRPr lang="en-GB"/>
           </a:p>
@@ -15496,7 +15498,7 @@
           <a:p>
             <a:fld id="{C320BFED-450E-44D0-BA91-DC607728E94D}" type="datetimeFigureOut">
               <a:rPr lang="en-GB" smtClean="0"/>
-              <a:t>04/11/2019</a:t>
+              <a:t>06/11/2019</a:t>
             </a:fld>
             <a:endParaRPr lang="en-GB"/>
           </a:p>
@@ -15701,7 +15703,7 @@
           <a:p>
             <a:fld id="{C320BFED-450E-44D0-BA91-DC607728E94D}" type="datetimeFigureOut">
               <a:rPr lang="en-GB" smtClean="0"/>
-              <a:t>04/11/2019</a:t>
+              <a:t>06/11/2019</a:t>
             </a:fld>
             <a:endParaRPr lang="en-GB"/>
           </a:p>
@@ -24599,7 +24601,7 @@
           <a:p>
             <a:fld id="{C320BFED-450E-44D0-BA91-DC607728E94D}" type="datetimeFigureOut">
               <a:rPr lang="en-GB" smtClean="0"/>
-              <a:t>04/11/2019</a:t>
+              <a:t>06/11/2019</a:t>
             </a:fld>
             <a:endParaRPr lang="en-GB"/>
           </a:p>
@@ -24873,7 +24875,7 @@
           <a:p>
             <a:fld id="{C320BFED-450E-44D0-BA91-DC607728E94D}" type="datetimeFigureOut">
               <a:rPr lang="en-GB" smtClean="0"/>
-              <a:t>04/11/2019</a:t>
+              <a:t>06/11/2019</a:t>
             </a:fld>
             <a:endParaRPr lang="en-GB"/>
           </a:p>
@@ -25271,7 +25273,7 @@
           <a:p>
             <a:fld id="{C320BFED-450E-44D0-BA91-DC607728E94D}" type="datetimeFigureOut">
               <a:rPr lang="en-GB" smtClean="0"/>
-              <a:t>04/11/2019</a:t>
+              <a:t>06/11/2019</a:t>
             </a:fld>
             <a:endParaRPr lang="en-GB"/>
           </a:p>
@@ -25389,7 +25391,7 @@
           <a:p>
             <a:fld id="{C320BFED-450E-44D0-BA91-DC607728E94D}" type="datetimeFigureOut">
               <a:rPr lang="en-GB" smtClean="0"/>
-              <a:t>04/11/2019</a:t>
+              <a:t>06/11/2019</a:t>
             </a:fld>
             <a:endParaRPr lang="en-GB"/>
           </a:p>
@@ -25484,7 +25486,7 @@
           <a:p>
             <a:fld id="{C320BFED-450E-44D0-BA91-DC607728E94D}" type="datetimeFigureOut">
               <a:rPr lang="en-GB" smtClean="0"/>
-              <a:t>04/11/2019</a:t>
+              <a:t>06/11/2019</a:t>
             </a:fld>
             <a:endParaRPr lang="en-GB"/>
           </a:p>
@@ -25774,7 +25776,7 @@
           <a:p>
             <a:fld id="{C320BFED-450E-44D0-BA91-DC607728E94D}" type="datetimeFigureOut">
               <a:rPr lang="en-GB" smtClean="0"/>
-              <a:t>04/11/2019</a:t>
+              <a:t>06/11/2019</a:t>
             </a:fld>
             <a:endParaRPr lang="en-GB"/>
           </a:p>
@@ -26054,7 +26056,7 @@
           <a:p>
             <a:fld id="{C320BFED-450E-44D0-BA91-DC607728E94D}" type="datetimeFigureOut">
               <a:rPr lang="en-GB" smtClean="0"/>
-              <a:t>04/11/2019</a:t>
+              <a:t>06/11/2019</a:t>
             </a:fld>
             <a:endParaRPr lang="en-GB"/>
           </a:p>
@@ -26304,7 +26306,7 @@
           <a:p>
             <a:fld id="{C320BFED-450E-44D0-BA91-DC607728E94D}" type="datetimeFigureOut">
               <a:rPr lang="en-GB" smtClean="0"/>
-              <a:t>04/11/2019</a:t>
+              <a:t>06/11/2019</a:t>
             </a:fld>
             <a:endParaRPr lang="en-GB"/>
           </a:p>
@@ -27528,6 +27530,9 @@
             </a:r>
           </a:p>
           <a:p>
+            <a:endParaRPr lang="en-GB" sz="2200" dirty="0"/>
+          </a:p>
+          <a:p>
             <a:r>
               <a:rPr lang="en-GB" dirty="0"/>
               <a:t>There are four services already available:</a:t>
@@ -27577,37 +27582,7 @@
             </a:pPr>
             <a:r>
               <a:rPr lang="en-GB" dirty="0"/>
-              <a:t>Clone the repo below and run the code.  </a:t>
-            </a:r>
-          </a:p>
-          <a:p>
-            <a:pPr marL="128016" lvl="1" indent="0">
-              <a:buNone/>
-            </a:pPr>
-            <a:endParaRPr lang="en-GB" dirty="0"/>
-          </a:p>
-          <a:p>
-            <a:pPr marL="128016" lvl="1" indent="0">
-              <a:buNone/>
-            </a:pPr>
-            <a:r>
-              <a:rPr lang="en-GB" dirty="0"/>
-              <a:t>Now create a Façade that simplifies the creation of a dataset.</a:t>
-            </a:r>
-          </a:p>
-          <a:p>
-            <a:pPr marL="128016" lvl="1" indent="0">
-              <a:buNone/>
-            </a:pPr>
-            <a:endParaRPr lang="en-GB" dirty="0"/>
-          </a:p>
-          <a:p>
-            <a:pPr marL="128016" lvl="1" indent="0">
-              <a:buNone/>
-            </a:pPr>
-            <a:r>
-              <a:rPr lang="en-GB" dirty="0"/>
-              <a:t>Java: </a:t>
+              <a:t>Clone the repo below and run the code:  </a:t>
             </a:r>
           </a:p>
           <a:p>
@@ -27615,8 +27590,253 @@
               <a:buNone/>
             </a:pPr>
             <a:r>
+              <a:rPr lang="en-GB" dirty="0">
+                <a:hlinkClick r:id="rId2"/>
+              </a:rPr>
+              <a:t>https://github.com/andyphelps/design</a:t>
+            </a:r>
+            <a:endParaRPr lang="en-GB" dirty="0"/>
+          </a:p>
+        </p:txBody>
+      </p:sp>
+    </p:spTree>
+    <p:extLst>
+      <p:ext uri="{BB962C8B-B14F-4D97-AF65-F5344CB8AC3E}">
+        <p14:creationId xmlns:p14="http://schemas.microsoft.com/office/powerpoint/2010/main" val="2793071117"/>
+      </p:ext>
+    </p:extLst>
+  </p:cSld>
+  <p:clrMapOvr>
+    <a:masterClrMapping/>
+  </p:clrMapOvr>
+</p:sld>
+</file>
+
+<file path=ppt/slides/slide6.xml><?xml version="1.0" encoding="utf-8"?>
+<p:sld xmlns:a="http://schemas.openxmlformats.org/drawingml/2006/main" xmlns:r="http://schemas.openxmlformats.org/officeDocument/2006/relationships" xmlns:p="http://schemas.openxmlformats.org/presentationml/2006/main">
+  <p:cSld>
+    <p:bg>
+      <p:bgPr>
+        <a:solidFill>
+          <a:schemeClr val="bg1"/>
+        </a:solidFill>
+        <a:effectLst/>
+      </p:bgPr>
+    </p:bg>
+    <p:spTree>
+      <p:nvGrpSpPr>
+        <p:cNvPr id="1" name=""/>
+        <p:cNvGrpSpPr/>
+        <p:nvPr/>
+      </p:nvGrpSpPr>
+      <p:grpSpPr>
+        <a:xfrm>
+          <a:off x="0" y="0"/>
+          <a:ext cx="0" cy="0"/>
+          <a:chOff x="0" y="0"/>
+          <a:chExt cx="0" cy="0"/>
+        </a:xfrm>
+      </p:grpSpPr>
+      <p:sp useBgFill="1">
+        <p:nvSpPr>
+          <p:cNvPr id="10" name="Rectangle 9">
+            <a:extLst>
+              <a:ext uri="{FF2B5EF4-FFF2-40B4-BE49-F238E27FC236}">
+                <a16:creationId xmlns:a16="http://schemas.microsoft.com/office/drawing/2014/main" id="{39E4C68A-A4A9-48A4-9FF2-D2896B1EA01F}"/>
+              </a:ext>
+              <a:ext uri="{C183D7F6-B498-43B3-948B-1728B52AA6E4}">
+                <adec:decorative xmlns:adec="http://schemas.microsoft.com/office/drawing/2017/decorative" val="1"/>
+              </a:ext>
+            </a:extLst>
+          </p:cNvPr>
+          <p:cNvSpPr>
+            <a:spLocks noGrp="1" noRot="1" noChangeAspect="1" noMove="1" noResize="1" noEditPoints="1" noAdjustHandles="1" noChangeArrowheads="1" noChangeShapeType="1" noTextEdit="1"/>
+          </p:cNvSpPr>
+          <p:nvPr>
+            <p:extLst>
+              <p:ext uri="{386F3935-93C4-4BCD-93E2-E3B085C9AB24}">
+                <p16:designElem xmlns:p16="http://schemas.microsoft.com/office/powerpoint/2015/main" val="1"/>
+              </p:ext>
+            </p:extLst>
+          </p:nvPr>
+        </p:nvSpPr>
+        <p:spPr>
+          <a:xfrm>
+            <a:off x="0" y="0"/>
+            <a:ext cx="12192000" cy="6858000"/>
+          </a:xfrm>
+          <a:prstGeom prst="rect">
+            <a:avLst/>
+          </a:prstGeom>
+          <a:ln>
+            <a:noFill/>
+          </a:ln>
+        </p:spPr>
+        <p:style>
+          <a:lnRef idx="2">
+            <a:schemeClr val="accent1">
+              <a:shade val="50000"/>
+            </a:schemeClr>
+          </a:lnRef>
+          <a:fillRef idx="1">
+            <a:schemeClr val="accent1"/>
+          </a:fillRef>
+          <a:effectRef idx="0">
+            <a:schemeClr val="accent1"/>
+          </a:effectRef>
+          <a:fontRef idx="minor">
+            <a:schemeClr val="lt1"/>
+          </a:fontRef>
+        </p:style>
+        <p:txBody>
+          <a:bodyPr rtlCol="0" anchor="ctr"/>
+          <a:lstStyle/>
+          <a:p>
+            <a:pPr algn="ctr"/>
+            <a:endParaRPr lang="en-US"/>
+          </a:p>
+        </p:txBody>
+      </p:sp>
+      <p:sp>
+        <p:nvSpPr>
+          <p:cNvPr id="12" name="Rectangle 11">
+            <a:extLst>
+              <a:ext uri="{FF2B5EF4-FFF2-40B4-BE49-F238E27FC236}">
+                <a16:creationId xmlns:a16="http://schemas.microsoft.com/office/drawing/2014/main" id="{E2B9AEA5-52CB-49A6-AF8A-33502F291B91}"/>
+              </a:ext>
+              <a:ext uri="{C183D7F6-B498-43B3-948B-1728B52AA6E4}">
+                <adec:decorative xmlns:adec="http://schemas.microsoft.com/office/drawing/2017/decorative" val="1"/>
+              </a:ext>
+            </a:extLst>
+          </p:cNvPr>
+          <p:cNvSpPr>
+            <a:spLocks noGrp="1" noRot="1" noChangeAspect="1" noMove="1" noResize="1" noEditPoints="1" noAdjustHandles="1" noChangeArrowheads="1" noChangeShapeType="1" noTextEdit="1"/>
+          </p:cNvSpPr>
+          <p:nvPr>
+            <p:extLst>
+              <p:ext uri="{386F3935-93C4-4BCD-93E2-E3B085C9AB24}">
+                <p16:designElem xmlns:p16="http://schemas.microsoft.com/office/powerpoint/2015/main" val="1"/>
+              </p:ext>
+            </p:extLst>
+          </p:nvPr>
+        </p:nvSpPr>
+        <p:spPr>
+          <a:xfrm>
+            <a:off x="0" y="0"/>
+            <a:ext cx="4654296" cy="6858000"/>
+          </a:xfrm>
+          <a:prstGeom prst="rect">
+            <a:avLst/>
+          </a:prstGeom>
+          <a:ln>
+            <a:noFill/>
+          </a:ln>
+        </p:spPr>
+        <p:style>
+          <a:lnRef idx="2">
+            <a:schemeClr val="accent1">
+              <a:shade val="50000"/>
+            </a:schemeClr>
+          </a:lnRef>
+          <a:fillRef idx="1">
+            <a:schemeClr val="accent1"/>
+          </a:fillRef>
+          <a:effectRef idx="0">
+            <a:schemeClr val="accent1"/>
+          </a:effectRef>
+          <a:fontRef idx="minor">
+            <a:schemeClr val="lt1"/>
+          </a:fontRef>
+        </p:style>
+        <p:txBody>
+          <a:bodyPr rtlCol="0" anchor="ctr"/>
+          <a:lstStyle/>
+          <a:p>
+            <a:pPr algn="ctr"/>
+            <a:endParaRPr lang="en-US"/>
+          </a:p>
+        </p:txBody>
+      </p:sp>
+      <p:sp>
+        <p:nvSpPr>
+          <p:cNvPr id="4" name="Title 3">
+            <a:extLst>
+              <a:ext uri="{FF2B5EF4-FFF2-40B4-BE49-F238E27FC236}">
+                <a16:creationId xmlns:a16="http://schemas.microsoft.com/office/drawing/2014/main" id="{53A4EBFA-789D-4530-96AB-942A80343FAE}"/>
+              </a:ext>
+            </a:extLst>
+          </p:cNvPr>
+          <p:cNvSpPr>
+            <a:spLocks noGrp="1"/>
+          </p:cNvSpPr>
+          <p:nvPr>
+            <p:ph type="title"/>
+          </p:nvPr>
+        </p:nvSpPr>
+        <p:spPr>
+          <a:xfrm>
+            <a:off x="964788" y="804333"/>
+            <a:ext cx="3391900" cy="5249334"/>
+          </a:xfrm>
+        </p:spPr>
+        <p:txBody>
+          <a:bodyPr>
+            <a:normAutofit/>
+          </a:bodyPr>
+          <a:lstStyle/>
+          <a:p>
+            <a:pPr algn="r"/>
+            <a:r>
+              <a:rPr lang="en-GB" sz="5000" dirty="0">
+                <a:solidFill>
+                  <a:srgbClr val="FFFFFF"/>
+                </a:solidFill>
+              </a:rPr>
+              <a:t>Introduce A Façade</a:t>
+            </a:r>
+          </a:p>
+        </p:txBody>
+      </p:sp>
+      <p:sp>
+        <p:nvSpPr>
+          <p:cNvPr id="5" name="Content Placeholder 4">
+            <a:extLst>
+              <a:ext uri="{FF2B5EF4-FFF2-40B4-BE49-F238E27FC236}">
+                <a16:creationId xmlns:a16="http://schemas.microsoft.com/office/drawing/2014/main" id="{6991BC05-0B2E-4804-A1B7-DDB19E9DFD60}"/>
+              </a:ext>
+            </a:extLst>
+          </p:cNvPr>
+          <p:cNvSpPr>
+            <a:spLocks noGrp="1"/>
+          </p:cNvSpPr>
+          <p:nvPr>
+            <p:ph idx="1"/>
+          </p:nvPr>
+        </p:nvSpPr>
+        <p:spPr>
+          <a:xfrm>
+            <a:off x="4951048" y="804332"/>
+            <a:ext cx="6306003" cy="5875867"/>
+          </a:xfrm>
+        </p:spPr>
+        <p:txBody>
+          <a:bodyPr anchor="ctr">
+            <a:normAutofit/>
+          </a:bodyPr>
+          <a:lstStyle/>
+          <a:p>
+            <a:r>
               <a:rPr lang="en-GB" dirty="0"/>
-              <a:t>.NET: </a:t>
+              <a:t>Take a look at the main/Main method.  It is using 4 different services to create a dataset.  If we are wanting to do this many times we might consider a Façade to simplify the orchestration of the service calls.  This hides the complexity from the caller. It also creates consistency, especially if you only expose the façade.</a:t>
+            </a:r>
+          </a:p>
+          <a:p>
+            <a:endParaRPr lang="en-GB" dirty="0"/>
+          </a:p>
+          <a:p>
+            <a:r>
+              <a:rPr lang="en-GB" dirty="0"/>
+              <a:t>Discuss in your groups how you might achieve this and then go ahead and implement it.</a:t>
             </a:r>
           </a:p>
         </p:txBody>
@@ -27624,7 +27844,300 @@
     </p:spTree>
     <p:extLst>
       <p:ext uri="{BB962C8B-B14F-4D97-AF65-F5344CB8AC3E}">
-        <p14:creationId xmlns:p14="http://schemas.microsoft.com/office/powerpoint/2010/main" val="2793071117"/>
+        <p14:creationId xmlns:p14="http://schemas.microsoft.com/office/powerpoint/2010/main" val="1516168225"/>
+      </p:ext>
+    </p:extLst>
+  </p:cSld>
+  <p:clrMapOvr>
+    <a:masterClrMapping/>
+  </p:clrMapOvr>
+</p:sld>
+</file>
+
+<file path=ppt/slides/slide7.xml><?xml version="1.0" encoding="utf-8"?>
+<p:sld xmlns:a="http://schemas.openxmlformats.org/drawingml/2006/main" xmlns:r="http://schemas.openxmlformats.org/officeDocument/2006/relationships" xmlns:p="http://schemas.openxmlformats.org/presentationml/2006/main">
+  <p:cSld>
+    <p:bg>
+      <p:bgPr>
+        <a:solidFill>
+          <a:schemeClr val="bg1"/>
+        </a:solidFill>
+        <a:effectLst/>
+      </p:bgPr>
+    </p:bg>
+    <p:spTree>
+      <p:nvGrpSpPr>
+        <p:cNvPr id="1" name=""/>
+        <p:cNvGrpSpPr/>
+        <p:nvPr/>
+      </p:nvGrpSpPr>
+      <p:grpSpPr>
+        <a:xfrm>
+          <a:off x="0" y="0"/>
+          <a:ext cx="0" cy="0"/>
+          <a:chOff x="0" y="0"/>
+          <a:chExt cx="0" cy="0"/>
+        </a:xfrm>
+      </p:grpSpPr>
+      <p:sp useBgFill="1">
+        <p:nvSpPr>
+          <p:cNvPr id="10" name="Rectangle 9">
+            <a:extLst>
+              <a:ext uri="{FF2B5EF4-FFF2-40B4-BE49-F238E27FC236}">
+                <a16:creationId xmlns:a16="http://schemas.microsoft.com/office/drawing/2014/main" id="{39E4C68A-A4A9-48A4-9FF2-D2896B1EA01F}"/>
+              </a:ext>
+              <a:ext uri="{C183D7F6-B498-43B3-948B-1728B52AA6E4}">
+                <adec:decorative xmlns:adec="http://schemas.microsoft.com/office/drawing/2017/decorative" val="1"/>
+              </a:ext>
+            </a:extLst>
+          </p:cNvPr>
+          <p:cNvSpPr>
+            <a:spLocks noGrp="1" noRot="1" noChangeAspect="1" noMove="1" noResize="1" noEditPoints="1" noAdjustHandles="1" noChangeArrowheads="1" noChangeShapeType="1" noTextEdit="1"/>
+          </p:cNvSpPr>
+          <p:nvPr>
+            <p:extLst>
+              <p:ext uri="{386F3935-93C4-4BCD-93E2-E3B085C9AB24}">
+                <p16:designElem xmlns:p16="http://schemas.microsoft.com/office/powerpoint/2015/main" val="1"/>
+              </p:ext>
+            </p:extLst>
+          </p:nvPr>
+        </p:nvSpPr>
+        <p:spPr>
+          <a:xfrm>
+            <a:off x="0" y="0"/>
+            <a:ext cx="12192000" cy="6858000"/>
+          </a:xfrm>
+          <a:prstGeom prst="rect">
+            <a:avLst/>
+          </a:prstGeom>
+          <a:ln>
+            <a:noFill/>
+          </a:ln>
+        </p:spPr>
+        <p:style>
+          <a:lnRef idx="2">
+            <a:schemeClr val="accent1">
+              <a:shade val="50000"/>
+            </a:schemeClr>
+          </a:lnRef>
+          <a:fillRef idx="1">
+            <a:schemeClr val="accent1"/>
+          </a:fillRef>
+          <a:effectRef idx="0">
+            <a:schemeClr val="accent1"/>
+          </a:effectRef>
+          <a:fontRef idx="minor">
+            <a:schemeClr val="lt1"/>
+          </a:fontRef>
+        </p:style>
+        <p:txBody>
+          <a:bodyPr rtlCol="0" anchor="ctr"/>
+          <a:lstStyle/>
+          <a:p>
+            <a:pPr algn="ctr"/>
+            <a:endParaRPr lang="en-US"/>
+          </a:p>
+        </p:txBody>
+      </p:sp>
+      <p:sp>
+        <p:nvSpPr>
+          <p:cNvPr id="12" name="Rectangle 11">
+            <a:extLst>
+              <a:ext uri="{FF2B5EF4-FFF2-40B4-BE49-F238E27FC236}">
+                <a16:creationId xmlns:a16="http://schemas.microsoft.com/office/drawing/2014/main" id="{E2B9AEA5-52CB-49A6-AF8A-33502F291B91}"/>
+              </a:ext>
+              <a:ext uri="{C183D7F6-B498-43B3-948B-1728B52AA6E4}">
+                <adec:decorative xmlns:adec="http://schemas.microsoft.com/office/drawing/2017/decorative" val="1"/>
+              </a:ext>
+            </a:extLst>
+          </p:cNvPr>
+          <p:cNvSpPr>
+            <a:spLocks noGrp="1" noRot="1" noChangeAspect="1" noMove="1" noResize="1" noEditPoints="1" noAdjustHandles="1" noChangeArrowheads="1" noChangeShapeType="1" noTextEdit="1"/>
+          </p:cNvSpPr>
+          <p:nvPr>
+            <p:extLst>
+              <p:ext uri="{386F3935-93C4-4BCD-93E2-E3B085C9AB24}">
+                <p16:designElem xmlns:p16="http://schemas.microsoft.com/office/powerpoint/2015/main" val="1"/>
+              </p:ext>
+            </p:extLst>
+          </p:nvPr>
+        </p:nvSpPr>
+        <p:spPr>
+          <a:xfrm>
+            <a:off x="0" y="0"/>
+            <a:ext cx="4654296" cy="6858000"/>
+          </a:xfrm>
+          <a:prstGeom prst="rect">
+            <a:avLst/>
+          </a:prstGeom>
+          <a:ln>
+            <a:noFill/>
+          </a:ln>
+        </p:spPr>
+        <p:style>
+          <a:lnRef idx="2">
+            <a:schemeClr val="accent1">
+              <a:shade val="50000"/>
+            </a:schemeClr>
+          </a:lnRef>
+          <a:fillRef idx="1">
+            <a:schemeClr val="accent1"/>
+          </a:fillRef>
+          <a:effectRef idx="0">
+            <a:schemeClr val="accent1"/>
+          </a:effectRef>
+          <a:fontRef idx="minor">
+            <a:schemeClr val="lt1"/>
+          </a:fontRef>
+        </p:style>
+        <p:txBody>
+          <a:bodyPr rtlCol="0" anchor="ctr"/>
+          <a:lstStyle/>
+          <a:p>
+            <a:pPr algn="ctr"/>
+            <a:endParaRPr lang="en-US"/>
+          </a:p>
+        </p:txBody>
+      </p:sp>
+      <p:sp>
+        <p:nvSpPr>
+          <p:cNvPr id="4" name="Title 3">
+            <a:extLst>
+              <a:ext uri="{FF2B5EF4-FFF2-40B4-BE49-F238E27FC236}">
+                <a16:creationId xmlns:a16="http://schemas.microsoft.com/office/drawing/2014/main" id="{53A4EBFA-789D-4530-96AB-942A80343FAE}"/>
+              </a:ext>
+            </a:extLst>
+          </p:cNvPr>
+          <p:cNvSpPr>
+            <a:spLocks noGrp="1"/>
+          </p:cNvSpPr>
+          <p:nvPr>
+            <p:ph type="title"/>
+          </p:nvPr>
+        </p:nvSpPr>
+        <p:spPr>
+          <a:xfrm>
+            <a:off x="964788" y="804333"/>
+            <a:ext cx="3391900" cy="5249334"/>
+          </a:xfrm>
+        </p:spPr>
+        <p:txBody>
+          <a:bodyPr>
+            <a:normAutofit/>
+          </a:bodyPr>
+          <a:lstStyle/>
+          <a:p>
+            <a:pPr algn="r"/>
+            <a:r>
+              <a:rPr lang="en-GB" sz="5000" dirty="0">
+                <a:solidFill>
+                  <a:srgbClr val="FFFFFF"/>
+                </a:solidFill>
+              </a:rPr>
+              <a:t>Make the Façade use the Builder Pattern</a:t>
+            </a:r>
+          </a:p>
+        </p:txBody>
+      </p:sp>
+      <p:sp>
+        <p:nvSpPr>
+          <p:cNvPr id="5" name="Content Placeholder 4">
+            <a:extLst>
+              <a:ext uri="{FF2B5EF4-FFF2-40B4-BE49-F238E27FC236}">
+                <a16:creationId xmlns:a16="http://schemas.microsoft.com/office/drawing/2014/main" id="{6991BC05-0B2E-4804-A1B7-DDB19E9DFD60}"/>
+              </a:ext>
+            </a:extLst>
+          </p:cNvPr>
+          <p:cNvSpPr>
+            <a:spLocks noGrp="1"/>
+          </p:cNvSpPr>
+          <p:nvPr>
+            <p:ph idx="1"/>
+          </p:nvPr>
+        </p:nvSpPr>
+        <p:spPr>
+          <a:xfrm>
+            <a:off x="4951048" y="804332"/>
+            <a:ext cx="6306003" cy="5875867"/>
+          </a:xfrm>
+        </p:spPr>
+        <p:txBody>
+          <a:bodyPr anchor="ctr">
+            <a:normAutofit/>
+          </a:bodyPr>
+          <a:lstStyle/>
+          <a:p>
+            <a:r>
+              <a:rPr lang="en-GB" dirty="0"/>
+              <a:t>Lets pretend that the author has a default value of ”Unknown Author” and that we nearly always are creating CSV datasets.</a:t>
+            </a:r>
+          </a:p>
+          <a:p>
+            <a:endParaRPr lang="en-GB" dirty="0"/>
+          </a:p>
+          <a:p>
+            <a:r>
+              <a:rPr lang="en-GB" dirty="0"/>
+              <a:t>Change the Façade you just created to use a builder pattern.</a:t>
+            </a:r>
+          </a:p>
+          <a:p>
+            <a:endParaRPr lang="en-GB" dirty="0"/>
+          </a:p>
+          <a:p>
+            <a:r>
+              <a:rPr lang="en-GB" dirty="0"/>
+              <a:t>E.g.  So it can be invoked like:</a:t>
+            </a:r>
+          </a:p>
+          <a:p>
+            <a:r>
+              <a:rPr lang="en-GB" dirty="0" err="1"/>
+              <a:t>CreateDatasetBuilder</a:t>
+            </a:r>
+            <a:br>
+              <a:rPr lang="en-GB" dirty="0"/>
+            </a:br>
+            <a:r>
+              <a:rPr lang="en-GB" dirty="0"/>
+              <a:t>	.builder()</a:t>
+            </a:r>
+            <a:br>
+              <a:rPr lang="en-GB" dirty="0"/>
+            </a:br>
+            <a:r>
+              <a:rPr lang="en-GB" dirty="0"/>
+              <a:t>	.description(”blah”)</a:t>
+            </a:r>
+            <a:br>
+              <a:rPr lang="en-GB" dirty="0"/>
+            </a:br>
+            <a:r>
+              <a:rPr lang="en-GB" dirty="0"/>
+              <a:t>	.content(</a:t>
+            </a:r>
+            <a:r>
+              <a:rPr lang="en-GB" dirty="0" err="1"/>
+              <a:t>contentCsvString</a:t>
+            </a:r>
+            <a:r>
+              <a:rPr lang="en-GB" dirty="0"/>
+              <a:t>)</a:t>
+            </a:r>
+            <a:br>
+              <a:rPr lang="en-GB" dirty="0"/>
+            </a:br>
+            <a:r>
+              <a:rPr lang="en-GB" dirty="0"/>
+              <a:t>	.build();</a:t>
+            </a:r>
+          </a:p>
+        </p:txBody>
+      </p:sp>
+    </p:spTree>
+    <p:extLst>
+      <p:ext uri="{BB962C8B-B14F-4D97-AF65-F5344CB8AC3E}">
+        <p14:creationId xmlns:p14="http://schemas.microsoft.com/office/powerpoint/2010/main" val="1605178633"/>
       </p:ext>
     </p:extLst>
   </p:cSld>

--- a/slides/Software Design Patterns Workshop 1.pptx
+++ b/slides/Software Design Patterns Workshop 1.pptx
@@ -10,6 +10,8 @@
     <p:sldId id="258" r:id="rId4"/>
     <p:sldId id="259" r:id="rId5"/>
     <p:sldId id="260" r:id="rId6"/>
+    <p:sldId id="261" r:id="rId7"/>
+    <p:sldId id="262" r:id="rId8"/>
   </p:sldIdLst>
   <p:sldSz cx="12192000" cy="6858000"/>
   <p:notesSz cx="6858000" cy="9144000"/>
@@ -114,610 +116,6 @@
     </p:ext>
   </p:extLst>
 </p:presentation>
-</file>
-
-<file path=ppt/changesInfos/changesInfo1.xml><?xml version="1.0" encoding="utf-8"?>
-<pc:chgInfo xmlns:a="http://schemas.openxmlformats.org/drawingml/2006/main" xmlns:r="http://schemas.openxmlformats.org/officeDocument/2006/relationships" xmlns:ac="http://schemas.microsoft.com/office/drawing/2013/main/command" xmlns:pc="http://schemas.microsoft.com/office/powerpoint/2013/main/command">
-  <pc:docChgLst>
-    <pc:chgData name="Andrew Phelps" userId="0e4d36b0-e361-45f0-9c73-272b2cd81e7a" providerId="ADAL" clId="{F286C79F-4ECF-4C1A-8438-89AFA930CD12}"/>
-    <pc:docChg chg="undo custSel mod addSld delSld modSld">
-      <pc:chgData name="Andrew Phelps" userId="0e4d36b0-e361-45f0-9c73-272b2cd81e7a" providerId="ADAL" clId="{F286C79F-4ECF-4C1A-8438-89AFA930CD12}" dt="2019-11-04T16:31:36.267" v="1536" actId="20577"/>
-      <pc:docMkLst>
-        <pc:docMk/>
-      </pc:docMkLst>
-      <pc:sldChg chg="modSp add">
-        <pc:chgData name="Andrew Phelps" userId="0e4d36b0-e361-45f0-9c73-272b2cd81e7a" providerId="ADAL" clId="{F286C79F-4ECF-4C1A-8438-89AFA930CD12}" dt="2019-11-04T15:24:30.926" v="628" actId="20577"/>
-        <pc:sldMkLst>
-          <pc:docMk/>
-          <pc:sldMk cId="3134446796" sldId="256"/>
-        </pc:sldMkLst>
-        <pc:spChg chg="mod">
-          <ac:chgData name="Andrew Phelps" userId="0e4d36b0-e361-45f0-9c73-272b2cd81e7a" providerId="ADAL" clId="{F286C79F-4ECF-4C1A-8438-89AFA930CD12}" dt="2019-11-04T15:24:21.566" v="598" actId="20577"/>
-          <ac:spMkLst>
-            <pc:docMk/>
-            <pc:sldMk cId="3134446796" sldId="256"/>
-            <ac:spMk id="2" creationId="{389CBDF2-0717-4084-8C3E-8043A9DF2654}"/>
-          </ac:spMkLst>
-        </pc:spChg>
-        <pc:spChg chg="mod">
-          <ac:chgData name="Andrew Phelps" userId="0e4d36b0-e361-45f0-9c73-272b2cd81e7a" providerId="ADAL" clId="{F286C79F-4ECF-4C1A-8438-89AFA930CD12}" dt="2019-11-04T15:24:30.926" v="628" actId="20577"/>
-          <ac:spMkLst>
-            <pc:docMk/>
-            <pc:sldMk cId="3134446796" sldId="256"/>
-            <ac:spMk id="3" creationId="{C67B9627-A60E-4768-8C73-7179A35775FB}"/>
-          </ac:spMkLst>
-        </pc:spChg>
-      </pc:sldChg>
-      <pc:sldChg chg="addSp delSp modSp add del mod setBg delDesignElem">
-        <pc:chgData name="Andrew Phelps" userId="0e4d36b0-e361-45f0-9c73-272b2cd81e7a" providerId="ADAL" clId="{F286C79F-4ECF-4C1A-8438-89AFA930CD12}" dt="2019-11-04T15:22:59.390" v="567" actId="2696"/>
-        <pc:sldMkLst>
-          <pc:docMk/>
-          <pc:sldMk cId="3704908907" sldId="256"/>
-        </pc:sldMkLst>
-        <pc:spChg chg="mod">
-          <ac:chgData name="Andrew Phelps" userId="0e4d36b0-e361-45f0-9c73-272b2cd81e7a" providerId="ADAL" clId="{F286C79F-4ECF-4C1A-8438-89AFA930CD12}" dt="2019-11-01T16:36:18.508" v="268" actId="26606"/>
-          <ac:spMkLst>
-            <pc:docMk/>
-            <pc:sldMk cId="3704908907" sldId="256"/>
-            <ac:spMk id="2" creationId="{1085C203-7B7C-4738-8F44-977FB52E4C35}"/>
-          </ac:spMkLst>
-        </pc:spChg>
-        <pc:spChg chg="mod">
-          <ac:chgData name="Andrew Phelps" userId="0e4d36b0-e361-45f0-9c73-272b2cd81e7a" providerId="ADAL" clId="{F286C79F-4ECF-4C1A-8438-89AFA930CD12}" dt="2019-11-04T15:14:33.861" v="282" actId="20577"/>
-          <ac:spMkLst>
-            <pc:docMk/>
-            <pc:sldMk cId="3704908907" sldId="256"/>
-            <ac:spMk id="3" creationId="{F91C8A00-7208-4D26-98DF-0A2A77954BED}"/>
-          </ac:spMkLst>
-        </pc:spChg>
-        <pc:spChg chg="add del">
-          <ac:chgData name="Andrew Phelps" userId="0e4d36b0-e361-45f0-9c73-272b2cd81e7a" providerId="ADAL" clId="{F286C79F-4ECF-4C1A-8438-89AFA930CD12}" dt="2019-11-01T16:36:18.508" v="268" actId="26606"/>
-          <ac:spMkLst>
-            <pc:docMk/>
-            <pc:sldMk cId="3704908907" sldId="256"/>
-            <ac:spMk id="5" creationId="{62AE8E50-35D4-4D5A-A4BB-168CBB027DA2}"/>
-          </ac:spMkLst>
-        </pc:spChg>
-        <pc:spChg chg="add del">
-          <ac:chgData name="Andrew Phelps" userId="0e4d36b0-e361-45f0-9c73-272b2cd81e7a" providerId="ADAL" clId="{F286C79F-4ECF-4C1A-8438-89AFA930CD12}" dt="2019-11-01T16:36:18.508" v="268" actId="26606"/>
-          <ac:spMkLst>
-            <pc:docMk/>
-            <pc:sldMk cId="3704908907" sldId="256"/>
-            <ac:spMk id="6" creationId="{C37D1D6D-17D8-4296-B000-665D1892D01E}"/>
-          </ac:spMkLst>
-        </pc:spChg>
-        <pc:spChg chg="add del">
-          <ac:chgData name="Andrew Phelps" userId="0e4d36b0-e361-45f0-9c73-272b2cd81e7a" providerId="ADAL" clId="{F286C79F-4ECF-4C1A-8438-89AFA930CD12}" dt="2019-11-01T16:36:18.508" v="268" actId="26606"/>
-          <ac:spMkLst>
-            <pc:docMk/>
-            <pc:sldMk cId="3704908907" sldId="256"/>
-            <ac:spMk id="7" creationId="{1B26E892-1320-40AA-9CA1-246721C18768}"/>
-          </ac:spMkLst>
-        </pc:spChg>
-        <pc:spChg chg="add del">
-          <ac:chgData name="Andrew Phelps" userId="0e4d36b0-e361-45f0-9c73-272b2cd81e7a" providerId="ADAL" clId="{F286C79F-4ECF-4C1A-8438-89AFA930CD12}" dt="2019-11-01T16:31:20.180" v="74"/>
-          <ac:spMkLst>
-            <pc:docMk/>
-            <pc:sldMk cId="3704908907" sldId="256"/>
-            <ac:spMk id="8" creationId="{9ABC736F-FD1E-4980-876D-E5C38773936B}"/>
-          </ac:spMkLst>
-        </pc:spChg>
-        <pc:spChg chg="add del">
-          <ac:chgData name="Andrew Phelps" userId="0e4d36b0-e361-45f0-9c73-272b2cd81e7a" providerId="ADAL" clId="{F286C79F-4ECF-4C1A-8438-89AFA930CD12}" dt="2019-11-01T16:31:20.180" v="74"/>
-          <ac:spMkLst>
-            <pc:docMk/>
-            <pc:sldMk cId="3704908907" sldId="256"/>
-            <ac:spMk id="10" creationId="{8D98EE46-797C-45B8-8337-491B94E0583F}"/>
-          </ac:spMkLst>
-        </pc:spChg>
-        <pc:spChg chg="add del">
-          <ac:chgData name="Andrew Phelps" userId="0e4d36b0-e361-45f0-9c73-272b2cd81e7a" providerId="ADAL" clId="{F286C79F-4ECF-4C1A-8438-89AFA930CD12}" dt="2019-11-04T15:22:33.289" v="566"/>
-          <ac:spMkLst>
-            <pc:docMk/>
-            <pc:sldMk cId="3704908907" sldId="256"/>
-            <ac:spMk id="11" creationId="{9ABC736F-FD1E-4980-876D-E5C38773936B}"/>
-          </ac:spMkLst>
-        </pc:spChg>
-        <pc:spChg chg="add del">
-          <ac:chgData name="Andrew Phelps" userId="0e4d36b0-e361-45f0-9c73-272b2cd81e7a" providerId="ADAL" clId="{F286C79F-4ECF-4C1A-8438-89AFA930CD12}" dt="2019-11-04T15:22:33.289" v="566"/>
-          <ac:spMkLst>
-            <pc:docMk/>
-            <pc:sldMk cId="3704908907" sldId="256"/>
-            <ac:spMk id="13" creationId="{8D98EE46-797C-45B8-8337-491B94E0583F}"/>
-          </ac:spMkLst>
-        </pc:spChg>
-        <pc:spChg chg="add del">
-          <ac:chgData name="Andrew Phelps" userId="0e4d36b0-e361-45f0-9c73-272b2cd81e7a" providerId="ADAL" clId="{F286C79F-4ECF-4C1A-8438-89AFA930CD12}" dt="2019-11-01T16:31:20.180" v="74"/>
-          <ac:spMkLst>
-            <pc:docMk/>
-            <pc:sldMk cId="3704908907" sldId="256"/>
-            <ac:spMk id="14" creationId="{3915B512-930A-40F0-82A6-4895B71A9566}"/>
-          </ac:spMkLst>
-        </pc:spChg>
-        <pc:spChg chg="add del">
-          <ac:chgData name="Andrew Phelps" userId="0e4d36b0-e361-45f0-9c73-272b2cd81e7a" providerId="ADAL" clId="{F286C79F-4ECF-4C1A-8438-89AFA930CD12}" dt="2019-11-01T16:36:18.508" v="268" actId="26606"/>
-          <ac:spMkLst>
-            <pc:docMk/>
-            <pc:sldMk cId="3704908907" sldId="256"/>
-            <ac:spMk id="16" creationId="{C170DF7D-4686-4BD5-A9CD-C8964928468D}"/>
-          </ac:spMkLst>
-        </pc:spChg>
-        <pc:spChg chg="add del">
-          <ac:chgData name="Andrew Phelps" userId="0e4d36b0-e361-45f0-9c73-272b2cd81e7a" providerId="ADAL" clId="{F286C79F-4ECF-4C1A-8438-89AFA930CD12}" dt="2019-11-04T15:22:33.289" v="566"/>
-          <ac:spMkLst>
-            <pc:docMk/>
-            <pc:sldMk cId="3704908907" sldId="256"/>
-            <ac:spMk id="17" creationId="{3915B512-930A-40F0-82A6-4895B71A9566}"/>
-          </ac:spMkLst>
-        </pc:spChg>
-        <pc:spChg chg="add del">
-          <ac:chgData name="Andrew Phelps" userId="0e4d36b0-e361-45f0-9c73-272b2cd81e7a" providerId="ADAL" clId="{F286C79F-4ECF-4C1A-8438-89AFA930CD12}" dt="2019-11-04T15:15:14.648" v="308"/>
-          <ac:spMkLst>
-            <pc:docMk/>
-            <pc:sldMk cId="3704908907" sldId="256"/>
-            <ac:spMk id="18" creationId="{9ABC736F-FD1E-4980-876D-E5C38773936B}"/>
-          </ac:spMkLst>
-        </pc:spChg>
-        <pc:spChg chg="add del">
-          <ac:chgData name="Andrew Phelps" userId="0e4d36b0-e361-45f0-9c73-272b2cd81e7a" providerId="ADAL" clId="{F286C79F-4ECF-4C1A-8438-89AFA930CD12}" dt="2019-11-04T15:15:14.648" v="308"/>
-          <ac:spMkLst>
-            <pc:docMk/>
-            <pc:sldMk cId="3704908907" sldId="256"/>
-            <ac:spMk id="19" creationId="{8D98EE46-797C-45B8-8337-491B94E0583F}"/>
-          </ac:spMkLst>
-        </pc:spChg>
-        <pc:spChg chg="add del">
-          <ac:chgData name="Andrew Phelps" userId="0e4d36b0-e361-45f0-9c73-272b2cd81e7a" providerId="ADAL" clId="{F286C79F-4ECF-4C1A-8438-89AFA930CD12}" dt="2019-11-04T15:15:14.648" v="308"/>
-          <ac:spMkLst>
-            <pc:docMk/>
-            <pc:sldMk cId="3704908907" sldId="256"/>
-            <ac:spMk id="21" creationId="{3915B512-930A-40F0-82A6-4895B71A9566}"/>
-          </ac:spMkLst>
-        </pc:spChg>
-        <pc:cxnChg chg="add del">
-          <ac:chgData name="Andrew Phelps" userId="0e4d36b0-e361-45f0-9c73-272b2cd81e7a" providerId="ADAL" clId="{F286C79F-4ECF-4C1A-8438-89AFA930CD12}" dt="2019-11-01T16:36:18.508" v="268" actId="26606"/>
-          <ac:cxnSpMkLst>
-            <pc:docMk/>
-            <pc:sldMk cId="3704908907" sldId="256"/>
-            <ac:cxnSpMk id="9" creationId="{C9A1F79C-E4D1-4AAE-BA11-3A09005252E3}"/>
-          </ac:cxnSpMkLst>
-        </pc:cxnChg>
-        <pc:cxnChg chg="add del">
-          <ac:chgData name="Andrew Phelps" userId="0e4d36b0-e361-45f0-9c73-272b2cd81e7a" providerId="ADAL" clId="{F286C79F-4ECF-4C1A-8438-89AFA930CD12}" dt="2019-11-01T16:31:20.180" v="74"/>
-          <ac:cxnSpMkLst>
-            <pc:docMk/>
-            <pc:sldMk cId="3704908907" sldId="256"/>
-            <ac:cxnSpMk id="12" creationId="{4E4CA735-62CB-4665-AA7D-4A259E3F7CE6}"/>
-          </ac:cxnSpMkLst>
-        </pc:cxnChg>
-        <pc:cxnChg chg="add del">
-          <ac:chgData name="Andrew Phelps" userId="0e4d36b0-e361-45f0-9c73-272b2cd81e7a" providerId="ADAL" clId="{F286C79F-4ECF-4C1A-8438-89AFA930CD12}" dt="2019-11-04T15:22:33.289" v="566"/>
-          <ac:cxnSpMkLst>
-            <pc:docMk/>
-            <pc:sldMk cId="3704908907" sldId="256"/>
-            <ac:cxnSpMk id="15" creationId="{4E4CA735-62CB-4665-AA7D-4A259E3F7CE6}"/>
-          </ac:cxnSpMkLst>
-        </pc:cxnChg>
-        <pc:cxnChg chg="add del">
-          <ac:chgData name="Andrew Phelps" userId="0e4d36b0-e361-45f0-9c73-272b2cd81e7a" providerId="ADAL" clId="{F286C79F-4ECF-4C1A-8438-89AFA930CD12}" dt="2019-11-04T15:15:14.648" v="308"/>
-          <ac:cxnSpMkLst>
-            <pc:docMk/>
-            <pc:sldMk cId="3704908907" sldId="256"/>
-            <ac:cxnSpMk id="20" creationId="{4E4CA735-62CB-4665-AA7D-4A259E3F7CE6}"/>
-          </ac:cxnSpMkLst>
-        </pc:cxnChg>
-      </pc:sldChg>
-      <pc:sldChg chg="addSp delSp modSp add mod setBg">
-        <pc:chgData name="Andrew Phelps" userId="0e4d36b0-e361-45f0-9c73-272b2cd81e7a" providerId="ADAL" clId="{F286C79F-4ECF-4C1A-8438-89AFA930CD12}" dt="2019-11-04T15:25:40.897" v="643" actId="26606"/>
-        <pc:sldMkLst>
-          <pc:docMk/>
-          <pc:sldMk cId="4076974315" sldId="257"/>
-        </pc:sldMkLst>
-        <pc:spChg chg="del">
-          <ac:chgData name="Andrew Phelps" userId="0e4d36b0-e361-45f0-9c73-272b2cd81e7a" providerId="ADAL" clId="{F286C79F-4ECF-4C1A-8438-89AFA930CD12}" dt="2019-11-04T15:24:56.161" v="630"/>
-          <ac:spMkLst>
-            <pc:docMk/>
-            <pc:sldMk cId="4076974315" sldId="257"/>
-            <ac:spMk id="2" creationId="{734562E0-CCD0-48D3-B42D-280FEAEBD3C2}"/>
-          </ac:spMkLst>
-        </pc:spChg>
-        <pc:spChg chg="del">
-          <ac:chgData name="Andrew Phelps" userId="0e4d36b0-e361-45f0-9c73-272b2cd81e7a" providerId="ADAL" clId="{F286C79F-4ECF-4C1A-8438-89AFA930CD12}" dt="2019-11-04T15:24:56.161" v="630"/>
-          <ac:spMkLst>
-            <pc:docMk/>
-            <pc:sldMk cId="4076974315" sldId="257"/>
-            <ac:spMk id="3" creationId="{9344E38D-D6D9-436E-8340-F4415578AD43}"/>
-          </ac:spMkLst>
-        </pc:spChg>
-        <pc:spChg chg="add mod">
-          <ac:chgData name="Andrew Phelps" userId="0e4d36b0-e361-45f0-9c73-272b2cd81e7a" providerId="ADAL" clId="{F286C79F-4ECF-4C1A-8438-89AFA930CD12}" dt="2019-11-04T15:25:40.897" v="643" actId="26606"/>
-          <ac:spMkLst>
-            <pc:docMk/>
-            <pc:sldMk cId="4076974315" sldId="257"/>
-            <ac:spMk id="4" creationId="{15722A69-4948-4DB0-A61E-54E48820BC8F}"/>
-          </ac:spMkLst>
-        </pc:spChg>
-        <pc:spChg chg="add del mod">
-          <ac:chgData name="Andrew Phelps" userId="0e4d36b0-e361-45f0-9c73-272b2cd81e7a" providerId="ADAL" clId="{F286C79F-4ECF-4C1A-8438-89AFA930CD12}" dt="2019-11-04T15:25:40.897" v="643" actId="26606"/>
-          <ac:spMkLst>
-            <pc:docMk/>
-            <pc:sldMk cId="4076974315" sldId="257"/>
-            <ac:spMk id="5" creationId="{5D8191FF-DB77-4E78-9360-80968B366148}"/>
-          </ac:spMkLst>
-        </pc:spChg>
-        <pc:spChg chg="add">
-          <ac:chgData name="Andrew Phelps" userId="0e4d36b0-e361-45f0-9c73-272b2cd81e7a" providerId="ADAL" clId="{F286C79F-4ECF-4C1A-8438-89AFA930CD12}" dt="2019-11-04T15:25:40.897" v="643" actId="26606"/>
-          <ac:spMkLst>
-            <pc:docMk/>
-            <pc:sldMk cId="4076974315" sldId="257"/>
-            <ac:spMk id="12" creationId="{F7422F06-6017-4361-8872-E0E2CEB20B48}"/>
-          </ac:spMkLst>
-        </pc:spChg>
-        <pc:graphicFrameChg chg="add">
-          <ac:chgData name="Andrew Phelps" userId="0e4d36b0-e361-45f0-9c73-272b2cd81e7a" providerId="ADAL" clId="{F286C79F-4ECF-4C1A-8438-89AFA930CD12}" dt="2019-11-04T15:25:40.897" v="643" actId="26606"/>
-          <ac:graphicFrameMkLst>
-            <pc:docMk/>
-            <pc:sldMk cId="4076974315" sldId="257"/>
-            <ac:graphicFrameMk id="7" creationId="{CE358A1D-601C-495A-8C09-C23988725F02}"/>
-          </ac:graphicFrameMkLst>
-        </pc:graphicFrameChg>
-      </pc:sldChg>
-      <pc:sldChg chg="addSp delSp modSp add mod setBg">
-        <pc:chgData name="Andrew Phelps" userId="0e4d36b0-e361-45f0-9c73-272b2cd81e7a" providerId="ADAL" clId="{F286C79F-4ECF-4C1A-8438-89AFA930CD12}" dt="2019-11-04T15:26:09.339" v="653" actId="26606"/>
-        <pc:sldMkLst>
-          <pc:docMk/>
-          <pc:sldMk cId="3162507812" sldId="258"/>
-        </pc:sldMkLst>
-        <pc:spChg chg="mod">
-          <ac:chgData name="Andrew Phelps" userId="0e4d36b0-e361-45f0-9c73-272b2cd81e7a" providerId="ADAL" clId="{F286C79F-4ECF-4C1A-8438-89AFA930CD12}" dt="2019-11-04T15:26:09.339" v="653" actId="26606"/>
-          <ac:spMkLst>
-            <pc:docMk/>
-            <pc:sldMk cId="3162507812" sldId="258"/>
-            <ac:spMk id="2" creationId="{EFC34289-910F-4E71-A1E0-CD66B297D83A}"/>
-          </ac:spMkLst>
-        </pc:spChg>
-        <pc:spChg chg="del mod">
-          <ac:chgData name="Andrew Phelps" userId="0e4d36b0-e361-45f0-9c73-272b2cd81e7a" providerId="ADAL" clId="{F286C79F-4ECF-4C1A-8438-89AFA930CD12}" dt="2019-11-04T15:26:09.339" v="653" actId="26606"/>
-          <ac:spMkLst>
-            <pc:docMk/>
-            <pc:sldMk cId="3162507812" sldId="258"/>
-            <ac:spMk id="3" creationId="{2CD5B264-847A-4436-B884-84633272C6A7}"/>
-          </ac:spMkLst>
-        </pc:spChg>
-        <pc:spChg chg="add">
-          <ac:chgData name="Andrew Phelps" userId="0e4d36b0-e361-45f0-9c73-272b2cd81e7a" providerId="ADAL" clId="{F286C79F-4ECF-4C1A-8438-89AFA930CD12}" dt="2019-11-04T15:26:09.339" v="653" actId="26606"/>
-          <ac:spMkLst>
-            <pc:docMk/>
-            <pc:sldMk cId="3162507812" sldId="258"/>
-            <ac:spMk id="10" creationId="{F7422F06-6017-4361-8872-E0E2CEB20B48}"/>
-          </ac:spMkLst>
-        </pc:spChg>
-        <pc:graphicFrameChg chg="add">
-          <ac:chgData name="Andrew Phelps" userId="0e4d36b0-e361-45f0-9c73-272b2cd81e7a" providerId="ADAL" clId="{F286C79F-4ECF-4C1A-8438-89AFA930CD12}" dt="2019-11-04T15:26:09.339" v="653" actId="26606"/>
-          <ac:graphicFrameMkLst>
-            <pc:docMk/>
-            <pc:sldMk cId="3162507812" sldId="258"/>
-            <ac:graphicFrameMk id="5" creationId="{5DA43931-6880-4AE7-9926-35B3C2EF1CB3}"/>
-          </ac:graphicFrameMkLst>
-        </pc:graphicFrameChg>
-      </pc:sldChg>
-      <pc:sldChg chg="addSp delSp modSp add del mod setBg delDesignElem">
-        <pc:chgData name="Andrew Phelps" userId="0e4d36b0-e361-45f0-9c73-272b2cd81e7a" providerId="ADAL" clId="{F286C79F-4ECF-4C1A-8438-89AFA930CD12}" dt="2019-11-04T15:24:05.461" v="568" actId="2696"/>
-        <pc:sldMkLst>
-          <pc:docMk/>
-          <pc:sldMk cId="3700925747" sldId="258"/>
-        </pc:sldMkLst>
-        <pc:spChg chg="mod">
-          <ac:chgData name="Andrew Phelps" userId="0e4d36b0-e361-45f0-9c73-272b2cd81e7a" providerId="ADAL" clId="{F286C79F-4ECF-4C1A-8438-89AFA930CD12}" dt="2019-11-04T15:16:32.864" v="324" actId="5793"/>
-          <ac:spMkLst>
-            <pc:docMk/>
-            <pc:sldMk cId="3700925747" sldId="258"/>
-            <ac:spMk id="2" creationId="{E2ED9719-96A5-4CEA-A982-0DBE054F37D9}"/>
-          </ac:spMkLst>
-        </pc:spChg>
-        <pc:spChg chg="del">
-          <ac:chgData name="Andrew Phelps" userId="0e4d36b0-e361-45f0-9c73-272b2cd81e7a" providerId="ADAL" clId="{F286C79F-4ECF-4C1A-8438-89AFA930CD12}" dt="2019-11-01T16:35:30.262" v="265" actId="26606"/>
-          <ac:spMkLst>
-            <pc:docMk/>
-            <pc:sldMk cId="3700925747" sldId="258"/>
-            <ac:spMk id="3" creationId="{AA4926CF-F140-435E-8D15-0F26D3266368}"/>
-          </ac:spMkLst>
-        </pc:spChg>
-        <pc:spChg chg="add del">
-          <ac:chgData name="Andrew Phelps" userId="0e4d36b0-e361-45f0-9c73-272b2cd81e7a" providerId="ADAL" clId="{F286C79F-4ECF-4C1A-8438-89AFA930CD12}" dt="2019-11-04T15:15:14.648" v="308"/>
-          <ac:spMkLst>
-            <pc:docMk/>
-            <pc:sldMk cId="3700925747" sldId="258"/>
-            <ac:spMk id="6" creationId="{F7422F06-6017-4361-8872-E0E2CEB20B48}"/>
-          </ac:spMkLst>
-        </pc:spChg>
-        <pc:spChg chg="add del">
-          <ac:chgData name="Andrew Phelps" userId="0e4d36b0-e361-45f0-9c73-272b2cd81e7a" providerId="ADAL" clId="{F286C79F-4ECF-4C1A-8438-89AFA930CD12}" dt="2019-11-04T15:20:09.435" v="551" actId="26606"/>
-          <ac:spMkLst>
-            <pc:docMk/>
-            <pc:sldMk cId="3700925747" sldId="258"/>
-            <ac:spMk id="7" creationId="{F7422F06-6017-4361-8872-E0E2CEB20B48}"/>
-          </ac:spMkLst>
-        </pc:spChg>
-        <pc:spChg chg="del">
-          <ac:chgData name="Andrew Phelps" userId="0e4d36b0-e361-45f0-9c73-272b2cd81e7a" providerId="ADAL" clId="{F286C79F-4ECF-4C1A-8438-89AFA930CD12}" dt="2019-11-01T16:34:46.260" v="264"/>
-          <ac:spMkLst>
-            <pc:docMk/>
-            <pc:sldMk cId="3700925747" sldId="258"/>
-            <ac:spMk id="8" creationId="{A10C41F2-1746-4431-9B52-B9F147A896B8}"/>
-          </ac:spMkLst>
-        </pc:spChg>
-        <pc:spChg chg="add del">
-          <ac:chgData name="Andrew Phelps" userId="0e4d36b0-e361-45f0-9c73-272b2cd81e7a" providerId="ADAL" clId="{F286C79F-4ECF-4C1A-8438-89AFA930CD12}" dt="2019-11-04T15:20:39.220" v="555"/>
-          <ac:spMkLst>
-            <pc:docMk/>
-            <pc:sldMk cId="3700925747" sldId="258"/>
-            <ac:spMk id="9" creationId="{F7422F06-6017-4361-8872-E0E2CEB20B48}"/>
-          </ac:spMkLst>
-        </pc:spChg>
-        <pc:spChg chg="del">
-          <ac:chgData name="Andrew Phelps" userId="0e4d36b0-e361-45f0-9c73-272b2cd81e7a" providerId="ADAL" clId="{F286C79F-4ECF-4C1A-8438-89AFA930CD12}" dt="2019-11-01T16:34:46.260" v="264"/>
-          <ac:spMkLst>
-            <pc:docMk/>
-            <pc:sldMk cId="3700925747" sldId="258"/>
-            <ac:spMk id="10" creationId="{7984928E-D694-4849-BBAD-D7C7DC405478}"/>
-          </ac:spMkLst>
-        </pc:spChg>
-        <pc:spChg chg="add del">
-          <ac:chgData name="Andrew Phelps" userId="0e4d36b0-e361-45f0-9c73-272b2cd81e7a" providerId="ADAL" clId="{F286C79F-4ECF-4C1A-8438-89AFA930CD12}" dt="2019-11-04T15:21:16.809" v="559" actId="26606"/>
-          <ac:spMkLst>
-            <pc:docMk/>
-            <pc:sldMk cId="3700925747" sldId="258"/>
-            <ac:spMk id="11" creationId="{F7422F06-6017-4361-8872-E0E2CEB20B48}"/>
-          </ac:spMkLst>
-        </pc:spChg>
-        <pc:spChg chg="del">
-          <ac:chgData name="Andrew Phelps" userId="0e4d36b0-e361-45f0-9c73-272b2cd81e7a" providerId="ADAL" clId="{F286C79F-4ECF-4C1A-8438-89AFA930CD12}" dt="2019-11-01T16:34:46.260" v="264"/>
-          <ac:spMkLst>
-            <pc:docMk/>
-            <pc:sldMk cId="3700925747" sldId="258"/>
-            <ac:spMk id="12" creationId="{A24A153C-9BEC-46E7-9AA4-DFC65A2B1A87}"/>
-          </ac:spMkLst>
-        </pc:spChg>
-        <pc:spChg chg="add del">
-          <ac:chgData name="Andrew Phelps" userId="0e4d36b0-e361-45f0-9c73-272b2cd81e7a" providerId="ADAL" clId="{F286C79F-4ECF-4C1A-8438-89AFA930CD12}" dt="2019-11-04T15:22:33.289" v="566"/>
-          <ac:spMkLst>
-            <pc:docMk/>
-            <pc:sldMk cId="3700925747" sldId="258"/>
-            <ac:spMk id="16" creationId="{F7422F06-6017-4361-8872-E0E2CEB20B48}"/>
-          </ac:spMkLst>
-        </pc:spChg>
-        <pc:graphicFrameChg chg="add mod modGraphic">
-          <ac:chgData name="Andrew Phelps" userId="0e4d36b0-e361-45f0-9c73-272b2cd81e7a" providerId="ADAL" clId="{F286C79F-4ECF-4C1A-8438-89AFA930CD12}" dt="2019-11-04T15:21:16.809" v="559" actId="26606"/>
-          <ac:graphicFrameMkLst>
-            <pc:docMk/>
-            <pc:sldMk cId="3700925747" sldId="258"/>
-            <ac:graphicFrameMk id="5" creationId="{F385564E-93DC-4F51-B1AC-30CB250151B6}"/>
-          </ac:graphicFrameMkLst>
-        </pc:graphicFrameChg>
-        <pc:cxnChg chg="del">
-          <ac:chgData name="Andrew Phelps" userId="0e4d36b0-e361-45f0-9c73-272b2cd81e7a" providerId="ADAL" clId="{F286C79F-4ECF-4C1A-8438-89AFA930CD12}" dt="2019-11-01T16:34:46.260" v="264"/>
-          <ac:cxnSpMkLst>
-            <pc:docMk/>
-            <pc:sldMk cId="3700925747" sldId="258"/>
-            <ac:cxnSpMk id="14" creationId="{99237721-19CF-41B1-AA0A-E1E1A8282D52}"/>
-          </ac:cxnSpMkLst>
-        </pc:cxnChg>
-      </pc:sldChg>
-      <pc:sldChg chg="addSp delSp modSp add del mod setBg delDesignElem">
-        <pc:chgData name="Andrew Phelps" userId="0e4d36b0-e361-45f0-9c73-272b2cd81e7a" providerId="ADAL" clId="{F286C79F-4ECF-4C1A-8438-89AFA930CD12}" dt="2019-11-04T15:16:09.100" v="311" actId="2696"/>
-        <pc:sldMkLst>
-          <pc:docMk/>
-          <pc:sldMk cId="126544481" sldId="259"/>
-        </pc:sldMkLst>
-        <pc:spChg chg="mod">
-          <ac:chgData name="Andrew Phelps" userId="0e4d36b0-e361-45f0-9c73-272b2cd81e7a" providerId="ADAL" clId="{F286C79F-4ECF-4C1A-8438-89AFA930CD12}" dt="2019-11-04T15:15:46.901" v="310" actId="26606"/>
-          <ac:spMkLst>
-            <pc:docMk/>
-            <pc:sldMk cId="126544481" sldId="259"/>
-            <ac:spMk id="2" creationId="{E2ED9719-96A5-4CEA-A982-0DBE054F37D9}"/>
-          </ac:spMkLst>
-        </pc:spChg>
-        <pc:spChg chg="del">
-          <ac:chgData name="Andrew Phelps" userId="0e4d36b0-e361-45f0-9c73-272b2cd81e7a" providerId="ADAL" clId="{F286C79F-4ECF-4C1A-8438-89AFA930CD12}" dt="2019-11-04T15:14:41.004" v="284"/>
-          <ac:spMkLst>
-            <pc:docMk/>
-            <pc:sldMk cId="126544481" sldId="259"/>
-            <ac:spMk id="6" creationId="{F7422F06-6017-4361-8872-E0E2CEB20B48}"/>
-          </ac:spMkLst>
-        </pc:spChg>
-        <pc:spChg chg="add">
-          <ac:chgData name="Andrew Phelps" userId="0e4d36b0-e361-45f0-9c73-272b2cd81e7a" providerId="ADAL" clId="{F286C79F-4ECF-4C1A-8438-89AFA930CD12}" dt="2019-11-04T15:15:46.901" v="310" actId="26606"/>
-          <ac:spMkLst>
-            <pc:docMk/>
-            <pc:sldMk cId="126544481" sldId="259"/>
-            <ac:spMk id="10" creationId="{F7422F06-6017-4361-8872-E0E2CEB20B48}"/>
-          </ac:spMkLst>
-        </pc:spChg>
-        <pc:graphicFrameChg chg="mod modGraphic">
-          <ac:chgData name="Andrew Phelps" userId="0e4d36b0-e361-45f0-9c73-272b2cd81e7a" providerId="ADAL" clId="{F286C79F-4ECF-4C1A-8438-89AFA930CD12}" dt="2019-11-04T15:15:46.901" v="310" actId="26606"/>
-          <ac:graphicFrameMkLst>
-            <pc:docMk/>
-            <pc:sldMk cId="126544481" sldId="259"/>
-            <ac:graphicFrameMk id="5" creationId="{F385564E-93DC-4F51-B1AC-30CB250151B6}"/>
-          </ac:graphicFrameMkLst>
-        </pc:graphicFrameChg>
-      </pc:sldChg>
-      <pc:sldChg chg="addSp delSp modSp add del mod setBg delDesignElem">
-        <pc:chgData name="Andrew Phelps" userId="0e4d36b0-e361-45f0-9c73-272b2cd81e7a" providerId="ADAL" clId="{F286C79F-4ECF-4C1A-8438-89AFA930CD12}" dt="2019-11-04T15:24:06.339" v="569" actId="2696"/>
-        <pc:sldMkLst>
-          <pc:docMk/>
-          <pc:sldMk cId="1124009193" sldId="259"/>
-        </pc:sldMkLst>
-        <pc:spChg chg="mod">
-          <ac:chgData name="Andrew Phelps" userId="0e4d36b0-e361-45f0-9c73-272b2cd81e7a" providerId="ADAL" clId="{F286C79F-4ECF-4C1A-8438-89AFA930CD12}" dt="2019-11-04T15:21:09.483" v="558" actId="26606"/>
-          <ac:spMkLst>
-            <pc:docMk/>
-            <pc:sldMk cId="1124009193" sldId="259"/>
-            <ac:spMk id="2" creationId="{E2ED9719-96A5-4CEA-A982-0DBE054F37D9}"/>
-          </ac:spMkLst>
-        </pc:spChg>
-        <pc:spChg chg="del">
-          <ac:chgData name="Andrew Phelps" userId="0e4d36b0-e361-45f0-9c73-272b2cd81e7a" providerId="ADAL" clId="{F286C79F-4ECF-4C1A-8438-89AFA930CD12}" dt="2019-11-04T15:16:11.369" v="313"/>
-          <ac:spMkLst>
-            <pc:docMk/>
-            <pc:sldMk cId="1124009193" sldId="259"/>
-            <ac:spMk id="7" creationId="{F7422F06-6017-4361-8872-E0E2CEB20B48}"/>
-          </ac:spMkLst>
-        </pc:spChg>
-        <pc:spChg chg="add del">
-          <ac:chgData name="Andrew Phelps" userId="0e4d36b0-e361-45f0-9c73-272b2cd81e7a" providerId="ADAL" clId="{F286C79F-4ECF-4C1A-8438-89AFA930CD12}" dt="2019-11-04T15:16:22.613" v="315" actId="26606"/>
-          <ac:spMkLst>
-            <pc:docMk/>
-            <pc:sldMk cId="1124009193" sldId="259"/>
-            <ac:spMk id="10" creationId="{F7422F06-6017-4361-8872-E0E2CEB20B48}"/>
-          </ac:spMkLst>
-        </pc:spChg>
-        <pc:spChg chg="add del">
-          <ac:chgData name="Andrew Phelps" userId="0e4d36b0-e361-45f0-9c73-272b2cd81e7a" providerId="ADAL" clId="{F286C79F-4ECF-4C1A-8438-89AFA930CD12}" dt="2019-11-04T15:20:02.118" v="550" actId="26606"/>
-          <ac:spMkLst>
-            <pc:docMk/>
-            <pc:sldMk cId="1124009193" sldId="259"/>
-            <ac:spMk id="15" creationId="{F7422F06-6017-4361-8872-E0E2CEB20B48}"/>
-          </ac:spMkLst>
-        </pc:spChg>
-        <pc:spChg chg="add del">
-          <ac:chgData name="Andrew Phelps" userId="0e4d36b0-e361-45f0-9c73-272b2cd81e7a" providerId="ADAL" clId="{F286C79F-4ECF-4C1A-8438-89AFA930CD12}" dt="2019-11-04T15:20:24.673" v="552" actId="26606"/>
-          <ac:spMkLst>
-            <pc:docMk/>
-            <pc:sldMk cId="1124009193" sldId="259"/>
-            <ac:spMk id="20" creationId="{F7422F06-6017-4361-8872-E0E2CEB20B48}"/>
-          </ac:spMkLst>
-        </pc:spChg>
-        <pc:spChg chg="add del">
-          <ac:chgData name="Andrew Phelps" userId="0e4d36b0-e361-45f0-9c73-272b2cd81e7a" providerId="ADAL" clId="{F286C79F-4ECF-4C1A-8438-89AFA930CD12}" dt="2019-11-04T15:20:39.220" v="555"/>
-          <ac:spMkLst>
-            <pc:docMk/>
-            <pc:sldMk cId="1124009193" sldId="259"/>
-            <ac:spMk id="25" creationId="{F7422F06-6017-4361-8872-E0E2CEB20B48}"/>
-          </ac:spMkLst>
-        </pc:spChg>
-        <pc:graphicFrameChg chg="mod modGraphic">
-          <ac:chgData name="Andrew Phelps" userId="0e4d36b0-e361-45f0-9c73-272b2cd81e7a" providerId="ADAL" clId="{F286C79F-4ECF-4C1A-8438-89AFA930CD12}" dt="2019-11-04T15:21:09.483" v="558" actId="26606"/>
-          <ac:graphicFrameMkLst>
-            <pc:docMk/>
-            <pc:sldMk cId="1124009193" sldId="259"/>
-            <ac:graphicFrameMk id="5" creationId="{F385564E-93DC-4F51-B1AC-30CB250151B6}"/>
-          </ac:graphicFrameMkLst>
-        </pc:graphicFrameChg>
-      </pc:sldChg>
-      <pc:sldChg chg="addSp delSp modSp add">
-        <pc:chgData name="Andrew Phelps" userId="0e4d36b0-e361-45f0-9c73-272b2cd81e7a" providerId="ADAL" clId="{F286C79F-4ECF-4C1A-8438-89AFA930CD12}" dt="2019-11-04T15:27:25.067" v="716" actId="20577"/>
-        <pc:sldMkLst>
-          <pc:docMk/>
-          <pc:sldMk cId="1783257228" sldId="259"/>
-        </pc:sldMkLst>
-        <pc:spChg chg="del">
-          <ac:chgData name="Andrew Phelps" userId="0e4d36b0-e361-45f0-9c73-272b2cd81e7a" providerId="ADAL" clId="{F286C79F-4ECF-4C1A-8438-89AFA930CD12}" dt="2019-11-04T15:26:31.177" v="655"/>
-          <ac:spMkLst>
-            <pc:docMk/>
-            <pc:sldMk cId="1783257228" sldId="259"/>
-            <ac:spMk id="2" creationId="{8A7E2DA6-D655-40EC-A06E-8F01A4821ADC}"/>
-          </ac:spMkLst>
-        </pc:spChg>
-        <pc:spChg chg="del">
-          <ac:chgData name="Andrew Phelps" userId="0e4d36b0-e361-45f0-9c73-272b2cd81e7a" providerId="ADAL" clId="{F286C79F-4ECF-4C1A-8438-89AFA930CD12}" dt="2019-11-04T15:26:31.177" v="655"/>
-          <ac:spMkLst>
-            <pc:docMk/>
-            <pc:sldMk cId="1783257228" sldId="259"/>
-            <ac:spMk id="3" creationId="{15CCF801-CF33-4B54-BF76-7CFC684F45D7}"/>
-          </ac:spMkLst>
-        </pc:spChg>
-        <pc:spChg chg="add mod">
-          <ac:chgData name="Andrew Phelps" userId="0e4d36b0-e361-45f0-9c73-272b2cd81e7a" providerId="ADAL" clId="{F286C79F-4ECF-4C1A-8438-89AFA930CD12}" dt="2019-11-04T15:27:08.810" v="676" actId="20577"/>
-          <ac:spMkLst>
-            <pc:docMk/>
-            <pc:sldMk cId="1783257228" sldId="259"/>
-            <ac:spMk id="4" creationId="{8367ED10-C793-46D5-9872-3C2B25AEA11D}"/>
-          </ac:spMkLst>
-        </pc:spChg>
-        <pc:spChg chg="add mod">
-          <ac:chgData name="Andrew Phelps" userId="0e4d36b0-e361-45f0-9c73-272b2cd81e7a" providerId="ADAL" clId="{F286C79F-4ECF-4C1A-8438-89AFA930CD12}" dt="2019-11-04T15:27:25.067" v="716" actId="20577"/>
-          <ac:spMkLst>
-            <pc:docMk/>
-            <pc:sldMk cId="1783257228" sldId="259"/>
-            <ac:spMk id="5" creationId="{7B486120-474C-47FA-BC0C-87A523D33895}"/>
-          </ac:spMkLst>
-        </pc:spChg>
-      </pc:sldChg>
-      <pc:sldChg chg="addSp delSp add del setBg delDesignElem">
-        <pc:chgData name="Andrew Phelps" userId="0e4d36b0-e361-45f0-9c73-272b2cd81e7a" providerId="ADAL" clId="{F286C79F-4ECF-4C1A-8438-89AFA930CD12}" dt="2019-11-04T15:21:54.113" v="562"/>
-        <pc:sldMkLst>
-          <pc:docMk/>
-          <pc:sldMk cId="303156794" sldId="260"/>
-        </pc:sldMkLst>
-        <pc:spChg chg="add del">
-          <ac:chgData name="Andrew Phelps" userId="0e4d36b0-e361-45f0-9c73-272b2cd81e7a" providerId="ADAL" clId="{F286C79F-4ECF-4C1A-8438-89AFA930CD12}" dt="2019-11-04T15:21:54.113" v="562"/>
-          <ac:spMkLst>
-            <pc:docMk/>
-            <pc:sldMk cId="303156794" sldId="260"/>
-            <ac:spMk id="16" creationId="{F7422F06-6017-4361-8872-E0E2CEB20B48}"/>
-          </ac:spMkLst>
-        </pc:spChg>
-      </pc:sldChg>
-      <pc:sldChg chg="addSp delSp modSp add mod setBg">
-        <pc:chgData name="Andrew Phelps" userId="0e4d36b0-e361-45f0-9c73-272b2cd81e7a" providerId="ADAL" clId="{F286C79F-4ECF-4C1A-8438-89AFA930CD12}" dt="2019-11-04T16:31:36.267" v="1536" actId="20577"/>
-        <pc:sldMkLst>
-          <pc:docMk/>
-          <pc:sldMk cId="2793071117" sldId="260"/>
-        </pc:sldMkLst>
-        <pc:spChg chg="del">
-          <ac:chgData name="Andrew Phelps" userId="0e4d36b0-e361-45f0-9c73-272b2cd81e7a" providerId="ADAL" clId="{F286C79F-4ECF-4C1A-8438-89AFA930CD12}" dt="2019-11-04T15:27:36.086" v="718"/>
-          <ac:spMkLst>
-            <pc:docMk/>
-            <pc:sldMk cId="2793071117" sldId="260"/>
-            <ac:spMk id="2" creationId="{495A96D8-E95C-41AF-8A1C-EBEAF87FB998}"/>
-          </ac:spMkLst>
-        </pc:spChg>
-        <pc:spChg chg="del">
-          <ac:chgData name="Andrew Phelps" userId="0e4d36b0-e361-45f0-9c73-272b2cd81e7a" providerId="ADAL" clId="{F286C79F-4ECF-4C1A-8438-89AFA930CD12}" dt="2019-11-04T15:27:36.086" v="718"/>
-          <ac:spMkLst>
-            <pc:docMk/>
-            <pc:sldMk cId="2793071117" sldId="260"/>
-            <ac:spMk id="3" creationId="{3BEF8FDD-6895-44F4-B783-C74445B9354A}"/>
-          </ac:spMkLst>
-        </pc:spChg>
-        <pc:spChg chg="add mod">
-          <ac:chgData name="Andrew Phelps" userId="0e4d36b0-e361-45f0-9c73-272b2cd81e7a" providerId="ADAL" clId="{F286C79F-4ECF-4C1A-8438-89AFA930CD12}" dt="2019-11-04T16:09:53.125" v="1060" actId="20577"/>
-          <ac:spMkLst>
-            <pc:docMk/>
-            <pc:sldMk cId="2793071117" sldId="260"/>
-            <ac:spMk id="4" creationId="{53A4EBFA-789D-4530-96AB-942A80343FAE}"/>
-          </ac:spMkLst>
-        </pc:spChg>
-        <pc:spChg chg="add mod">
-          <ac:chgData name="Andrew Phelps" userId="0e4d36b0-e361-45f0-9c73-272b2cd81e7a" providerId="ADAL" clId="{F286C79F-4ECF-4C1A-8438-89AFA930CD12}" dt="2019-11-04T16:31:36.267" v="1536" actId="20577"/>
-          <ac:spMkLst>
-            <pc:docMk/>
-            <pc:sldMk cId="2793071117" sldId="260"/>
-            <ac:spMk id="5" creationId="{6991BC05-0B2E-4804-A1B7-DDB19E9DFD60}"/>
-          </ac:spMkLst>
-        </pc:spChg>
-        <pc:spChg chg="add">
-          <ac:chgData name="Andrew Phelps" userId="0e4d36b0-e361-45f0-9c73-272b2cd81e7a" providerId="ADAL" clId="{F286C79F-4ECF-4C1A-8438-89AFA930CD12}" dt="2019-11-04T15:33:55.849" v="953" actId="26606"/>
-          <ac:spMkLst>
-            <pc:docMk/>
-            <pc:sldMk cId="2793071117" sldId="260"/>
-            <ac:spMk id="10" creationId="{39E4C68A-A4A9-48A4-9FF2-D2896B1EA01F}"/>
-          </ac:spMkLst>
-        </pc:spChg>
-        <pc:spChg chg="add">
-          <ac:chgData name="Andrew Phelps" userId="0e4d36b0-e361-45f0-9c73-272b2cd81e7a" providerId="ADAL" clId="{F286C79F-4ECF-4C1A-8438-89AFA930CD12}" dt="2019-11-04T15:33:55.849" v="953" actId="26606"/>
-          <ac:spMkLst>
-            <pc:docMk/>
-            <pc:sldMk cId="2793071117" sldId="260"/>
-            <ac:spMk id="12" creationId="{E2B9AEA5-52CB-49A6-AF8A-33502F291B91}"/>
-          </ac:spMkLst>
-        </pc:spChg>
-      </pc:sldChg>
-    </pc:docChg>
-  </pc:docChgLst>
-</pc:chgInfo>
 </file>
 
 <file path=ppt/diagrams/colors1.xml><?xml version="1.0" encoding="utf-8"?>
@@ -15109,7 +14507,7 @@
           <a:p>
             <a:fld id="{C320BFED-450E-44D0-BA91-DC607728E94D}" type="datetimeFigureOut">
               <a:rPr lang="en-GB" smtClean="0"/>
-              <a:t>04/11/2019</a:t>
+              <a:t>06/11/2019</a:t>
             </a:fld>
             <a:endParaRPr lang="en-GB"/>
           </a:p>
@@ -15316,7 +14714,7 @@
           <a:p>
             <a:fld id="{C320BFED-450E-44D0-BA91-DC607728E94D}" type="datetimeFigureOut">
               <a:rPr lang="en-GB" smtClean="0"/>
-              <a:t>04/11/2019</a:t>
+              <a:t>06/11/2019</a:t>
             </a:fld>
             <a:endParaRPr lang="en-GB"/>
           </a:p>
@@ -15496,7 +14894,7 @@
           <a:p>
             <a:fld id="{C320BFED-450E-44D0-BA91-DC607728E94D}" type="datetimeFigureOut">
               <a:rPr lang="en-GB" smtClean="0"/>
-              <a:t>04/11/2019</a:t>
+              <a:t>06/11/2019</a:t>
             </a:fld>
             <a:endParaRPr lang="en-GB"/>
           </a:p>
@@ -15701,7 +15099,7 @@
           <a:p>
             <a:fld id="{C320BFED-450E-44D0-BA91-DC607728E94D}" type="datetimeFigureOut">
               <a:rPr lang="en-GB" smtClean="0"/>
-              <a:t>04/11/2019</a:t>
+              <a:t>06/11/2019</a:t>
             </a:fld>
             <a:endParaRPr lang="en-GB"/>
           </a:p>
@@ -24599,7 +23997,7 @@
           <a:p>
             <a:fld id="{C320BFED-450E-44D0-BA91-DC607728E94D}" type="datetimeFigureOut">
               <a:rPr lang="en-GB" smtClean="0"/>
-              <a:t>04/11/2019</a:t>
+              <a:t>06/11/2019</a:t>
             </a:fld>
             <a:endParaRPr lang="en-GB"/>
           </a:p>
@@ -24873,7 +24271,7 @@
           <a:p>
             <a:fld id="{C320BFED-450E-44D0-BA91-DC607728E94D}" type="datetimeFigureOut">
               <a:rPr lang="en-GB" smtClean="0"/>
-              <a:t>04/11/2019</a:t>
+              <a:t>06/11/2019</a:t>
             </a:fld>
             <a:endParaRPr lang="en-GB"/>
           </a:p>
@@ -25271,7 +24669,7 @@
           <a:p>
             <a:fld id="{C320BFED-450E-44D0-BA91-DC607728E94D}" type="datetimeFigureOut">
               <a:rPr lang="en-GB" smtClean="0"/>
-              <a:t>04/11/2019</a:t>
+              <a:t>06/11/2019</a:t>
             </a:fld>
             <a:endParaRPr lang="en-GB"/>
           </a:p>
@@ -25389,7 +24787,7 @@
           <a:p>
             <a:fld id="{C320BFED-450E-44D0-BA91-DC607728E94D}" type="datetimeFigureOut">
               <a:rPr lang="en-GB" smtClean="0"/>
-              <a:t>04/11/2019</a:t>
+              <a:t>06/11/2019</a:t>
             </a:fld>
             <a:endParaRPr lang="en-GB"/>
           </a:p>
@@ -25484,7 +24882,7 @@
           <a:p>
             <a:fld id="{C320BFED-450E-44D0-BA91-DC607728E94D}" type="datetimeFigureOut">
               <a:rPr lang="en-GB" smtClean="0"/>
-              <a:t>04/11/2019</a:t>
+              <a:t>06/11/2019</a:t>
             </a:fld>
             <a:endParaRPr lang="en-GB"/>
           </a:p>
@@ -25774,7 +25172,7 @@
           <a:p>
             <a:fld id="{C320BFED-450E-44D0-BA91-DC607728E94D}" type="datetimeFigureOut">
               <a:rPr lang="en-GB" smtClean="0"/>
-              <a:t>04/11/2019</a:t>
+              <a:t>06/11/2019</a:t>
             </a:fld>
             <a:endParaRPr lang="en-GB"/>
           </a:p>
@@ -26054,7 +25452,7 @@
           <a:p>
             <a:fld id="{C320BFED-450E-44D0-BA91-DC607728E94D}" type="datetimeFigureOut">
               <a:rPr lang="en-GB" smtClean="0"/>
-              <a:t>04/11/2019</a:t>
+              <a:t>06/11/2019</a:t>
             </a:fld>
             <a:endParaRPr lang="en-GB"/>
           </a:p>
@@ -26304,7 +25702,7 @@
           <a:p>
             <a:fld id="{C320BFED-450E-44D0-BA91-DC607728E94D}" type="datetimeFigureOut">
               <a:rPr lang="en-GB" smtClean="0"/>
-              <a:t>04/11/2019</a:t>
+              <a:t>06/11/2019</a:t>
             </a:fld>
             <a:endParaRPr lang="en-GB"/>
           </a:p>
@@ -27528,6 +26926,9 @@
             </a:r>
           </a:p>
           <a:p>
+            <a:endParaRPr lang="en-GB" sz="2200" dirty="0"/>
+          </a:p>
+          <a:p>
             <a:r>
               <a:rPr lang="en-GB" dirty="0"/>
               <a:t>There are four services already available:</a:t>
@@ -27577,37 +26978,7 @@
             </a:pPr>
             <a:r>
               <a:rPr lang="en-GB" dirty="0"/>
-              <a:t>Clone the repo below and run the code.  </a:t>
-            </a:r>
-          </a:p>
-          <a:p>
-            <a:pPr marL="128016" lvl="1" indent="0">
-              <a:buNone/>
-            </a:pPr>
-            <a:endParaRPr lang="en-GB" dirty="0"/>
-          </a:p>
-          <a:p>
-            <a:pPr marL="128016" lvl="1" indent="0">
-              <a:buNone/>
-            </a:pPr>
-            <a:r>
-              <a:rPr lang="en-GB" dirty="0"/>
-              <a:t>Now create a Façade that simplifies the creation of a dataset.</a:t>
-            </a:r>
-          </a:p>
-          <a:p>
-            <a:pPr marL="128016" lvl="1" indent="0">
-              <a:buNone/>
-            </a:pPr>
-            <a:endParaRPr lang="en-GB" dirty="0"/>
-          </a:p>
-          <a:p>
-            <a:pPr marL="128016" lvl="1" indent="0">
-              <a:buNone/>
-            </a:pPr>
-            <a:r>
-              <a:rPr lang="en-GB" dirty="0"/>
-              <a:t>Java: </a:t>
+              <a:t>Clone the repo below and run the code:  </a:t>
             </a:r>
           </a:p>
           <a:p>
@@ -27615,8 +26986,253 @@
               <a:buNone/>
             </a:pPr>
             <a:r>
+              <a:rPr lang="en-GB" dirty="0">
+                <a:hlinkClick r:id="rId2"/>
+              </a:rPr>
+              <a:t>https://github.com/andyphelps/design</a:t>
+            </a:r>
+            <a:endParaRPr lang="en-GB" dirty="0"/>
+          </a:p>
+        </p:txBody>
+      </p:sp>
+    </p:spTree>
+    <p:extLst>
+      <p:ext uri="{BB962C8B-B14F-4D97-AF65-F5344CB8AC3E}">
+        <p14:creationId xmlns:p14="http://schemas.microsoft.com/office/powerpoint/2010/main" val="2793071117"/>
+      </p:ext>
+    </p:extLst>
+  </p:cSld>
+  <p:clrMapOvr>
+    <a:masterClrMapping/>
+  </p:clrMapOvr>
+</p:sld>
+</file>
+
+<file path=ppt/slides/slide6.xml><?xml version="1.0" encoding="utf-8"?>
+<p:sld xmlns:a="http://schemas.openxmlformats.org/drawingml/2006/main" xmlns:r="http://schemas.openxmlformats.org/officeDocument/2006/relationships" xmlns:p="http://schemas.openxmlformats.org/presentationml/2006/main">
+  <p:cSld>
+    <p:bg>
+      <p:bgPr>
+        <a:solidFill>
+          <a:schemeClr val="bg1"/>
+        </a:solidFill>
+        <a:effectLst/>
+      </p:bgPr>
+    </p:bg>
+    <p:spTree>
+      <p:nvGrpSpPr>
+        <p:cNvPr id="1" name=""/>
+        <p:cNvGrpSpPr/>
+        <p:nvPr/>
+      </p:nvGrpSpPr>
+      <p:grpSpPr>
+        <a:xfrm>
+          <a:off x="0" y="0"/>
+          <a:ext cx="0" cy="0"/>
+          <a:chOff x="0" y="0"/>
+          <a:chExt cx="0" cy="0"/>
+        </a:xfrm>
+      </p:grpSpPr>
+      <p:sp useBgFill="1">
+        <p:nvSpPr>
+          <p:cNvPr id="10" name="Rectangle 9">
+            <a:extLst>
+              <a:ext uri="{FF2B5EF4-FFF2-40B4-BE49-F238E27FC236}">
+                <a16:creationId xmlns:a16="http://schemas.microsoft.com/office/drawing/2014/main" id="{39E4C68A-A4A9-48A4-9FF2-D2896B1EA01F}"/>
+              </a:ext>
+              <a:ext uri="{C183D7F6-B498-43B3-948B-1728B52AA6E4}">
+                <adec:decorative xmlns:adec="http://schemas.microsoft.com/office/drawing/2017/decorative" val="1"/>
+              </a:ext>
+            </a:extLst>
+          </p:cNvPr>
+          <p:cNvSpPr>
+            <a:spLocks noGrp="1" noRot="1" noChangeAspect="1" noMove="1" noResize="1" noEditPoints="1" noAdjustHandles="1" noChangeArrowheads="1" noChangeShapeType="1" noTextEdit="1"/>
+          </p:cNvSpPr>
+          <p:nvPr>
+            <p:extLst>
+              <p:ext uri="{386F3935-93C4-4BCD-93E2-E3B085C9AB24}">
+                <p16:designElem xmlns:p16="http://schemas.microsoft.com/office/powerpoint/2015/main" val="1"/>
+              </p:ext>
+            </p:extLst>
+          </p:nvPr>
+        </p:nvSpPr>
+        <p:spPr>
+          <a:xfrm>
+            <a:off x="0" y="0"/>
+            <a:ext cx="12192000" cy="6858000"/>
+          </a:xfrm>
+          <a:prstGeom prst="rect">
+            <a:avLst/>
+          </a:prstGeom>
+          <a:ln>
+            <a:noFill/>
+          </a:ln>
+        </p:spPr>
+        <p:style>
+          <a:lnRef idx="2">
+            <a:schemeClr val="accent1">
+              <a:shade val="50000"/>
+            </a:schemeClr>
+          </a:lnRef>
+          <a:fillRef idx="1">
+            <a:schemeClr val="accent1"/>
+          </a:fillRef>
+          <a:effectRef idx="0">
+            <a:schemeClr val="accent1"/>
+          </a:effectRef>
+          <a:fontRef idx="minor">
+            <a:schemeClr val="lt1"/>
+          </a:fontRef>
+        </p:style>
+        <p:txBody>
+          <a:bodyPr rtlCol="0" anchor="ctr"/>
+          <a:lstStyle/>
+          <a:p>
+            <a:pPr algn="ctr"/>
+            <a:endParaRPr lang="en-US"/>
+          </a:p>
+        </p:txBody>
+      </p:sp>
+      <p:sp>
+        <p:nvSpPr>
+          <p:cNvPr id="12" name="Rectangle 11">
+            <a:extLst>
+              <a:ext uri="{FF2B5EF4-FFF2-40B4-BE49-F238E27FC236}">
+                <a16:creationId xmlns:a16="http://schemas.microsoft.com/office/drawing/2014/main" id="{E2B9AEA5-52CB-49A6-AF8A-33502F291B91}"/>
+              </a:ext>
+              <a:ext uri="{C183D7F6-B498-43B3-948B-1728B52AA6E4}">
+                <adec:decorative xmlns:adec="http://schemas.microsoft.com/office/drawing/2017/decorative" val="1"/>
+              </a:ext>
+            </a:extLst>
+          </p:cNvPr>
+          <p:cNvSpPr>
+            <a:spLocks noGrp="1" noRot="1" noChangeAspect="1" noMove="1" noResize="1" noEditPoints="1" noAdjustHandles="1" noChangeArrowheads="1" noChangeShapeType="1" noTextEdit="1"/>
+          </p:cNvSpPr>
+          <p:nvPr>
+            <p:extLst>
+              <p:ext uri="{386F3935-93C4-4BCD-93E2-E3B085C9AB24}">
+                <p16:designElem xmlns:p16="http://schemas.microsoft.com/office/powerpoint/2015/main" val="1"/>
+              </p:ext>
+            </p:extLst>
+          </p:nvPr>
+        </p:nvSpPr>
+        <p:spPr>
+          <a:xfrm>
+            <a:off x="0" y="0"/>
+            <a:ext cx="4654296" cy="6858000"/>
+          </a:xfrm>
+          <a:prstGeom prst="rect">
+            <a:avLst/>
+          </a:prstGeom>
+          <a:ln>
+            <a:noFill/>
+          </a:ln>
+        </p:spPr>
+        <p:style>
+          <a:lnRef idx="2">
+            <a:schemeClr val="accent1">
+              <a:shade val="50000"/>
+            </a:schemeClr>
+          </a:lnRef>
+          <a:fillRef idx="1">
+            <a:schemeClr val="accent1"/>
+          </a:fillRef>
+          <a:effectRef idx="0">
+            <a:schemeClr val="accent1"/>
+          </a:effectRef>
+          <a:fontRef idx="minor">
+            <a:schemeClr val="lt1"/>
+          </a:fontRef>
+        </p:style>
+        <p:txBody>
+          <a:bodyPr rtlCol="0" anchor="ctr"/>
+          <a:lstStyle/>
+          <a:p>
+            <a:pPr algn="ctr"/>
+            <a:endParaRPr lang="en-US"/>
+          </a:p>
+        </p:txBody>
+      </p:sp>
+      <p:sp>
+        <p:nvSpPr>
+          <p:cNvPr id="4" name="Title 3">
+            <a:extLst>
+              <a:ext uri="{FF2B5EF4-FFF2-40B4-BE49-F238E27FC236}">
+                <a16:creationId xmlns:a16="http://schemas.microsoft.com/office/drawing/2014/main" id="{53A4EBFA-789D-4530-96AB-942A80343FAE}"/>
+              </a:ext>
+            </a:extLst>
+          </p:cNvPr>
+          <p:cNvSpPr>
+            <a:spLocks noGrp="1"/>
+          </p:cNvSpPr>
+          <p:nvPr>
+            <p:ph type="title"/>
+          </p:nvPr>
+        </p:nvSpPr>
+        <p:spPr>
+          <a:xfrm>
+            <a:off x="964788" y="804333"/>
+            <a:ext cx="3391900" cy="5249334"/>
+          </a:xfrm>
+        </p:spPr>
+        <p:txBody>
+          <a:bodyPr>
+            <a:normAutofit/>
+          </a:bodyPr>
+          <a:lstStyle/>
+          <a:p>
+            <a:pPr algn="r"/>
+            <a:r>
+              <a:rPr lang="en-GB" sz="5000" dirty="0">
+                <a:solidFill>
+                  <a:srgbClr val="FFFFFF"/>
+                </a:solidFill>
+              </a:rPr>
+              <a:t>Introduce A Façade</a:t>
+            </a:r>
+          </a:p>
+        </p:txBody>
+      </p:sp>
+      <p:sp>
+        <p:nvSpPr>
+          <p:cNvPr id="5" name="Content Placeholder 4">
+            <a:extLst>
+              <a:ext uri="{FF2B5EF4-FFF2-40B4-BE49-F238E27FC236}">
+                <a16:creationId xmlns:a16="http://schemas.microsoft.com/office/drawing/2014/main" id="{6991BC05-0B2E-4804-A1B7-DDB19E9DFD60}"/>
+              </a:ext>
+            </a:extLst>
+          </p:cNvPr>
+          <p:cNvSpPr>
+            <a:spLocks noGrp="1"/>
+          </p:cNvSpPr>
+          <p:nvPr>
+            <p:ph idx="1"/>
+          </p:nvPr>
+        </p:nvSpPr>
+        <p:spPr>
+          <a:xfrm>
+            <a:off x="4951048" y="804332"/>
+            <a:ext cx="6306003" cy="5875867"/>
+          </a:xfrm>
+        </p:spPr>
+        <p:txBody>
+          <a:bodyPr anchor="ctr">
+            <a:normAutofit/>
+          </a:bodyPr>
+          <a:lstStyle/>
+          <a:p>
+            <a:r>
               <a:rPr lang="en-GB" dirty="0"/>
-              <a:t>.NET: </a:t>
+              <a:t>Take a look at the main/Main method.  It is using 4 different services to create a dataset.  If we are wanting to do this many times we might consider a Façade to simplify the orchestration of the service calls.  This hides the complexity from the caller. It also creates consistency, especially if you only expose the façade.</a:t>
+            </a:r>
+          </a:p>
+          <a:p>
+            <a:endParaRPr lang="en-GB" dirty="0"/>
+          </a:p>
+          <a:p>
+            <a:r>
+              <a:rPr lang="en-GB" dirty="0"/>
+              <a:t>Discuss in your groups how you might achieve this and then go ahead and implement it.</a:t>
             </a:r>
           </a:p>
         </p:txBody>
@@ -27624,7 +27240,300 @@
     </p:spTree>
     <p:extLst>
       <p:ext uri="{BB962C8B-B14F-4D97-AF65-F5344CB8AC3E}">
-        <p14:creationId xmlns:p14="http://schemas.microsoft.com/office/powerpoint/2010/main" val="2793071117"/>
+        <p14:creationId xmlns:p14="http://schemas.microsoft.com/office/powerpoint/2010/main" val="1516168225"/>
+      </p:ext>
+    </p:extLst>
+  </p:cSld>
+  <p:clrMapOvr>
+    <a:masterClrMapping/>
+  </p:clrMapOvr>
+</p:sld>
+</file>
+
+<file path=ppt/slides/slide7.xml><?xml version="1.0" encoding="utf-8"?>
+<p:sld xmlns:a="http://schemas.openxmlformats.org/drawingml/2006/main" xmlns:r="http://schemas.openxmlformats.org/officeDocument/2006/relationships" xmlns:p="http://schemas.openxmlformats.org/presentationml/2006/main">
+  <p:cSld>
+    <p:bg>
+      <p:bgPr>
+        <a:solidFill>
+          <a:schemeClr val="bg1"/>
+        </a:solidFill>
+        <a:effectLst/>
+      </p:bgPr>
+    </p:bg>
+    <p:spTree>
+      <p:nvGrpSpPr>
+        <p:cNvPr id="1" name=""/>
+        <p:cNvGrpSpPr/>
+        <p:nvPr/>
+      </p:nvGrpSpPr>
+      <p:grpSpPr>
+        <a:xfrm>
+          <a:off x="0" y="0"/>
+          <a:ext cx="0" cy="0"/>
+          <a:chOff x="0" y="0"/>
+          <a:chExt cx="0" cy="0"/>
+        </a:xfrm>
+      </p:grpSpPr>
+      <p:sp useBgFill="1">
+        <p:nvSpPr>
+          <p:cNvPr id="10" name="Rectangle 9">
+            <a:extLst>
+              <a:ext uri="{FF2B5EF4-FFF2-40B4-BE49-F238E27FC236}">
+                <a16:creationId xmlns:a16="http://schemas.microsoft.com/office/drawing/2014/main" id="{39E4C68A-A4A9-48A4-9FF2-D2896B1EA01F}"/>
+              </a:ext>
+              <a:ext uri="{C183D7F6-B498-43B3-948B-1728B52AA6E4}">
+                <adec:decorative xmlns:adec="http://schemas.microsoft.com/office/drawing/2017/decorative" val="1"/>
+              </a:ext>
+            </a:extLst>
+          </p:cNvPr>
+          <p:cNvSpPr>
+            <a:spLocks noGrp="1" noRot="1" noChangeAspect="1" noMove="1" noResize="1" noEditPoints="1" noAdjustHandles="1" noChangeArrowheads="1" noChangeShapeType="1" noTextEdit="1"/>
+          </p:cNvSpPr>
+          <p:nvPr>
+            <p:extLst>
+              <p:ext uri="{386F3935-93C4-4BCD-93E2-E3B085C9AB24}">
+                <p16:designElem xmlns:p16="http://schemas.microsoft.com/office/powerpoint/2015/main" val="1"/>
+              </p:ext>
+            </p:extLst>
+          </p:nvPr>
+        </p:nvSpPr>
+        <p:spPr>
+          <a:xfrm>
+            <a:off x="0" y="0"/>
+            <a:ext cx="12192000" cy="6858000"/>
+          </a:xfrm>
+          <a:prstGeom prst="rect">
+            <a:avLst/>
+          </a:prstGeom>
+          <a:ln>
+            <a:noFill/>
+          </a:ln>
+        </p:spPr>
+        <p:style>
+          <a:lnRef idx="2">
+            <a:schemeClr val="accent1">
+              <a:shade val="50000"/>
+            </a:schemeClr>
+          </a:lnRef>
+          <a:fillRef idx="1">
+            <a:schemeClr val="accent1"/>
+          </a:fillRef>
+          <a:effectRef idx="0">
+            <a:schemeClr val="accent1"/>
+          </a:effectRef>
+          <a:fontRef idx="minor">
+            <a:schemeClr val="lt1"/>
+          </a:fontRef>
+        </p:style>
+        <p:txBody>
+          <a:bodyPr rtlCol="0" anchor="ctr"/>
+          <a:lstStyle/>
+          <a:p>
+            <a:pPr algn="ctr"/>
+            <a:endParaRPr lang="en-US"/>
+          </a:p>
+        </p:txBody>
+      </p:sp>
+      <p:sp>
+        <p:nvSpPr>
+          <p:cNvPr id="12" name="Rectangle 11">
+            <a:extLst>
+              <a:ext uri="{FF2B5EF4-FFF2-40B4-BE49-F238E27FC236}">
+                <a16:creationId xmlns:a16="http://schemas.microsoft.com/office/drawing/2014/main" id="{E2B9AEA5-52CB-49A6-AF8A-33502F291B91}"/>
+              </a:ext>
+              <a:ext uri="{C183D7F6-B498-43B3-948B-1728B52AA6E4}">
+                <adec:decorative xmlns:adec="http://schemas.microsoft.com/office/drawing/2017/decorative" val="1"/>
+              </a:ext>
+            </a:extLst>
+          </p:cNvPr>
+          <p:cNvSpPr>
+            <a:spLocks noGrp="1" noRot="1" noChangeAspect="1" noMove="1" noResize="1" noEditPoints="1" noAdjustHandles="1" noChangeArrowheads="1" noChangeShapeType="1" noTextEdit="1"/>
+          </p:cNvSpPr>
+          <p:nvPr>
+            <p:extLst>
+              <p:ext uri="{386F3935-93C4-4BCD-93E2-E3B085C9AB24}">
+                <p16:designElem xmlns:p16="http://schemas.microsoft.com/office/powerpoint/2015/main" val="1"/>
+              </p:ext>
+            </p:extLst>
+          </p:nvPr>
+        </p:nvSpPr>
+        <p:spPr>
+          <a:xfrm>
+            <a:off x="0" y="0"/>
+            <a:ext cx="4654296" cy="6858000"/>
+          </a:xfrm>
+          <a:prstGeom prst="rect">
+            <a:avLst/>
+          </a:prstGeom>
+          <a:ln>
+            <a:noFill/>
+          </a:ln>
+        </p:spPr>
+        <p:style>
+          <a:lnRef idx="2">
+            <a:schemeClr val="accent1">
+              <a:shade val="50000"/>
+            </a:schemeClr>
+          </a:lnRef>
+          <a:fillRef idx="1">
+            <a:schemeClr val="accent1"/>
+          </a:fillRef>
+          <a:effectRef idx="0">
+            <a:schemeClr val="accent1"/>
+          </a:effectRef>
+          <a:fontRef idx="minor">
+            <a:schemeClr val="lt1"/>
+          </a:fontRef>
+        </p:style>
+        <p:txBody>
+          <a:bodyPr rtlCol="0" anchor="ctr"/>
+          <a:lstStyle/>
+          <a:p>
+            <a:pPr algn="ctr"/>
+            <a:endParaRPr lang="en-US"/>
+          </a:p>
+        </p:txBody>
+      </p:sp>
+      <p:sp>
+        <p:nvSpPr>
+          <p:cNvPr id="4" name="Title 3">
+            <a:extLst>
+              <a:ext uri="{FF2B5EF4-FFF2-40B4-BE49-F238E27FC236}">
+                <a16:creationId xmlns:a16="http://schemas.microsoft.com/office/drawing/2014/main" id="{53A4EBFA-789D-4530-96AB-942A80343FAE}"/>
+              </a:ext>
+            </a:extLst>
+          </p:cNvPr>
+          <p:cNvSpPr>
+            <a:spLocks noGrp="1"/>
+          </p:cNvSpPr>
+          <p:nvPr>
+            <p:ph type="title"/>
+          </p:nvPr>
+        </p:nvSpPr>
+        <p:spPr>
+          <a:xfrm>
+            <a:off x="964788" y="804333"/>
+            <a:ext cx="3391900" cy="5249334"/>
+          </a:xfrm>
+        </p:spPr>
+        <p:txBody>
+          <a:bodyPr>
+            <a:normAutofit/>
+          </a:bodyPr>
+          <a:lstStyle/>
+          <a:p>
+            <a:pPr algn="r"/>
+            <a:r>
+              <a:rPr lang="en-GB" sz="5000" dirty="0">
+                <a:solidFill>
+                  <a:srgbClr val="FFFFFF"/>
+                </a:solidFill>
+              </a:rPr>
+              <a:t>Make the Façade use the Builder Pattern</a:t>
+            </a:r>
+          </a:p>
+        </p:txBody>
+      </p:sp>
+      <p:sp>
+        <p:nvSpPr>
+          <p:cNvPr id="5" name="Content Placeholder 4">
+            <a:extLst>
+              <a:ext uri="{FF2B5EF4-FFF2-40B4-BE49-F238E27FC236}">
+                <a16:creationId xmlns:a16="http://schemas.microsoft.com/office/drawing/2014/main" id="{6991BC05-0B2E-4804-A1B7-DDB19E9DFD60}"/>
+              </a:ext>
+            </a:extLst>
+          </p:cNvPr>
+          <p:cNvSpPr>
+            <a:spLocks noGrp="1"/>
+          </p:cNvSpPr>
+          <p:nvPr>
+            <p:ph idx="1"/>
+          </p:nvPr>
+        </p:nvSpPr>
+        <p:spPr>
+          <a:xfrm>
+            <a:off x="4951048" y="804332"/>
+            <a:ext cx="6306003" cy="5875867"/>
+          </a:xfrm>
+        </p:spPr>
+        <p:txBody>
+          <a:bodyPr anchor="ctr">
+            <a:normAutofit/>
+          </a:bodyPr>
+          <a:lstStyle/>
+          <a:p>
+            <a:r>
+              <a:rPr lang="en-GB" dirty="0"/>
+              <a:t>Lets pretend that the author has a default value of ”Unknown Author” and that we nearly always are creating CSV datasets.</a:t>
+            </a:r>
+          </a:p>
+          <a:p>
+            <a:endParaRPr lang="en-GB" dirty="0"/>
+          </a:p>
+          <a:p>
+            <a:r>
+              <a:rPr lang="en-GB" dirty="0"/>
+              <a:t>Change the Façade you just created to use a builder pattern.</a:t>
+            </a:r>
+          </a:p>
+          <a:p>
+            <a:endParaRPr lang="en-GB" dirty="0"/>
+          </a:p>
+          <a:p>
+            <a:r>
+              <a:rPr lang="en-GB" dirty="0"/>
+              <a:t>E.g.  So it can be invoked like:</a:t>
+            </a:r>
+          </a:p>
+          <a:p>
+            <a:r>
+              <a:rPr lang="en-GB" dirty="0" err="1"/>
+              <a:t>CreateDatasetBuilder</a:t>
+            </a:r>
+            <a:br>
+              <a:rPr lang="en-GB" dirty="0"/>
+            </a:br>
+            <a:r>
+              <a:rPr lang="en-GB" dirty="0"/>
+              <a:t>	.builder()</a:t>
+            </a:r>
+            <a:br>
+              <a:rPr lang="en-GB" dirty="0"/>
+            </a:br>
+            <a:r>
+              <a:rPr lang="en-GB" dirty="0"/>
+              <a:t>	.description(”blah”)</a:t>
+            </a:r>
+            <a:br>
+              <a:rPr lang="en-GB" dirty="0"/>
+            </a:br>
+            <a:r>
+              <a:rPr lang="en-GB" dirty="0"/>
+              <a:t>	.content(</a:t>
+            </a:r>
+            <a:r>
+              <a:rPr lang="en-GB" dirty="0" err="1"/>
+              <a:t>contentCsvString</a:t>
+            </a:r>
+            <a:r>
+              <a:rPr lang="en-GB" dirty="0"/>
+              <a:t>)</a:t>
+            </a:r>
+            <a:br>
+              <a:rPr lang="en-GB" dirty="0"/>
+            </a:br>
+            <a:r>
+              <a:rPr lang="en-GB" dirty="0"/>
+              <a:t>	.build();</a:t>
+            </a:r>
+          </a:p>
+        </p:txBody>
+      </p:sp>
+    </p:spTree>
+    <p:extLst>
+      <p:ext uri="{BB962C8B-B14F-4D97-AF65-F5344CB8AC3E}">
+        <p14:creationId xmlns:p14="http://schemas.microsoft.com/office/powerpoint/2010/main" val="1605178633"/>
       </p:ext>
     </p:extLst>
   </p:cSld>
